--- a/基本大纲_1015.pptx
+++ b/基本大纲_1015.pptx
@@ -15,7 +15,8 @@
     <p:sldId id="262" r:id="rId9"/>
     <p:sldId id="265" r:id="rId10"/>
     <p:sldId id="266" r:id="rId11"/>
-    <p:sldId id="263" r:id="rId12"/>
+    <p:sldId id="267" r:id="rId12"/>
+    <p:sldId id="263" r:id="rId13"/>
   </p:sldIdLst>
   <p:sldSz cx="12192000" cy="6858000"/>
   <p:notesSz cx="6858000" cy="9144000"/>
@@ -377,7 +378,7 @@
           <a:p>
             <a:fld id="{48A87A34-81AB-432B-8DAE-1953F412C126}" type="datetimeFigureOut">
               <a:rPr lang="en-US" dirty="0"/>
-              <a:t>10/25/21</a:t>
+              <a:t>10/26/21</a:t>
             </a:fld>
             <a:endParaRPr lang="en-US" dirty="0"/>
           </a:p>
@@ -684,7 +685,7 @@
           <a:p>
             <a:fld id="{48A87A34-81AB-432B-8DAE-1953F412C126}" type="datetimeFigureOut">
               <a:rPr lang="en-US" dirty="0"/>
-              <a:t>10/25/21</a:t>
+              <a:t>10/26/21</a:t>
             </a:fld>
             <a:endParaRPr lang="en-US" dirty="0"/>
           </a:p>
@@ -901,7 +902,7 @@
           <a:p>
             <a:fld id="{48A87A34-81AB-432B-8DAE-1953F412C126}" type="datetimeFigureOut">
               <a:rPr lang="en-US" dirty="0"/>
-              <a:t>10/25/21</a:t>
+              <a:t>10/26/21</a:t>
             </a:fld>
             <a:endParaRPr lang="en-US" dirty="0"/>
           </a:p>
@@ -1187,7 +1188,7 @@
           <a:p>
             <a:fld id="{48A87A34-81AB-432B-8DAE-1953F412C126}" type="datetimeFigureOut">
               <a:rPr lang="en-US" dirty="0"/>
-              <a:t>10/25/21</a:t>
+              <a:t>10/26/21</a:t>
             </a:fld>
             <a:endParaRPr lang="en-US" dirty="0"/>
           </a:p>
@@ -1636,7 +1637,7 @@
           <a:p>
             <a:fld id="{48A87A34-81AB-432B-8DAE-1953F412C126}" type="datetimeFigureOut">
               <a:rPr lang="en-US" dirty="0"/>
-              <a:t>10/25/21</a:t>
+              <a:t>10/26/21</a:t>
             </a:fld>
             <a:endParaRPr lang="en-US" dirty="0"/>
           </a:p>
@@ -2207,7 +2208,7 @@
           <a:p>
             <a:fld id="{48A87A34-81AB-432B-8DAE-1953F412C126}" type="datetimeFigureOut">
               <a:rPr lang="en-US" dirty="0"/>
-              <a:t>10/25/21</a:t>
+              <a:t>10/26/21</a:t>
             </a:fld>
             <a:endParaRPr lang="en-US" dirty="0"/>
           </a:p>
@@ -3054,7 +3055,7 @@
           <a:p>
             <a:fld id="{48A87A34-81AB-432B-8DAE-1953F412C126}" type="datetimeFigureOut">
               <a:rPr lang="en-US" dirty="0"/>
-              <a:t>10/25/21</a:t>
+              <a:t>10/26/21</a:t>
             </a:fld>
             <a:endParaRPr lang="en-US" dirty="0"/>
           </a:p>
@@ -3254,7 +3255,7 @@
           <a:p>
             <a:fld id="{48A87A34-81AB-432B-8DAE-1953F412C126}" type="datetimeFigureOut">
               <a:rPr lang="en-US" dirty="0"/>
-              <a:t>10/25/21</a:t>
+              <a:t>10/26/21</a:t>
             </a:fld>
             <a:endParaRPr lang="en-US" dirty="0"/>
           </a:p>
@@ -3463,7 +3464,7 @@
           <a:p>
             <a:fld id="{48A87A34-81AB-432B-8DAE-1953F412C126}" type="datetimeFigureOut">
               <a:rPr lang="en-US" dirty="0"/>
-              <a:t>10/25/21</a:t>
+              <a:t>10/26/21</a:t>
             </a:fld>
             <a:endParaRPr lang="en-US" dirty="0"/>
           </a:p>
@@ -3663,7 +3664,7 @@
           <a:p>
             <a:fld id="{48A87A34-81AB-432B-8DAE-1953F412C126}" type="datetimeFigureOut">
               <a:rPr lang="en-US" dirty="0"/>
-              <a:t>10/25/21</a:t>
+              <a:t>10/26/21</a:t>
             </a:fld>
             <a:endParaRPr lang="en-US" dirty="0"/>
           </a:p>
@@ -3938,7 +3939,7 @@
           <a:p>
             <a:fld id="{48A87A34-81AB-432B-8DAE-1953F412C126}" type="datetimeFigureOut">
               <a:rPr lang="en-US" dirty="0"/>
-              <a:t>10/25/21</a:t>
+              <a:t>10/26/21</a:t>
             </a:fld>
             <a:endParaRPr lang="en-US" dirty="0"/>
           </a:p>
@@ -4200,7 +4201,7 @@
           <a:p>
             <a:fld id="{48A87A34-81AB-432B-8DAE-1953F412C126}" type="datetimeFigureOut">
               <a:rPr lang="en-US" dirty="0"/>
-              <a:t>10/25/21</a:t>
+              <a:t>10/26/21</a:t>
             </a:fld>
             <a:endParaRPr lang="en-US" dirty="0"/>
           </a:p>
@@ -4610,7 +4611,7 @@
           <a:p>
             <a:fld id="{48A87A34-81AB-432B-8DAE-1953F412C126}" type="datetimeFigureOut">
               <a:rPr lang="en-US" dirty="0"/>
-              <a:t>10/25/21</a:t>
+              <a:t>10/26/21</a:t>
             </a:fld>
             <a:endParaRPr lang="en-US" dirty="0"/>
           </a:p>
@@ -4753,7 +4754,7 @@
           <a:p>
             <a:fld id="{48A87A34-81AB-432B-8DAE-1953F412C126}" type="datetimeFigureOut">
               <a:rPr lang="en-US" dirty="0"/>
-              <a:t>10/25/21</a:t>
+              <a:t>10/26/21</a:t>
             </a:fld>
             <a:endParaRPr lang="en-US" dirty="0"/>
           </a:p>
@@ -4873,7 +4874,7 @@
           <a:p>
             <a:fld id="{48A87A34-81AB-432B-8DAE-1953F412C126}" type="datetimeFigureOut">
               <a:rPr lang="en-US" dirty="0"/>
-              <a:t>10/25/21</a:t>
+              <a:t>10/26/21</a:t>
             </a:fld>
             <a:endParaRPr lang="en-US" dirty="0"/>
           </a:p>
@@ -5147,7 +5148,7 @@
           <a:p>
             <a:fld id="{48A87A34-81AB-432B-8DAE-1953F412C126}" type="datetimeFigureOut">
               <a:rPr lang="en-US" dirty="0"/>
-              <a:t>10/25/21</a:t>
+              <a:t>10/26/21</a:t>
             </a:fld>
             <a:endParaRPr lang="en-US" dirty="0"/>
           </a:p>
@@ -5454,7 +5455,7 @@
           <a:p>
             <a:fld id="{48A87A34-81AB-432B-8DAE-1953F412C126}" type="datetimeFigureOut">
               <a:rPr lang="en-US" dirty="0"/>
-              <a:t>10/25/21</a:t>
+              <a:t>10/26/21</a:t>
             </a:fld>
             <a:endParaRPr lang="en-US" dirty="0"/>
           </a:p>
@@ -5703,7 +5704,7 @@
             <a:fld id="{48A87A34-81AB-432B-8DAE-1953F412C126}" type="datetimeFigureOut">
               <a:rPr lang="en-US" dirty="0"/>
               <a:pPr/>
-              <a:t>10/25/21</a:t>
+              <a:t>10/26/21</a:t>
             </a:fld>
             <a:endParaRPr lang="en-US" dirty="0"/>
           </a:p>
@@ -6926,6 +6927,142 @@
 <file path=ppt/slides/slide11.xml><?xml version="1.0" encoding="utf-8"?>
 <p:sld xmlns:a="http://schemas.openxmlformats.org/drawingml/2006/main" xmlns:r="http://schemas.openxmlformats.org/officeDocument/2006/relationships" xmlns:p="http://schemas.openxmlformats.org/presentationml/2006/main">
   <p:cSld>
+    <p:spTree>
+      <p:nvGrpSpPr>
+        <p:cNvPr id="1" name=""/>
+        <p:cNvGrpSpPr/>
+        <p:nvPr/>
+      </p:nvGrpSpPr>
+      <p:grpSpPr>
+        <a:xfrm>
+          <a:off x="0" y="0"/>
+          <a:ext cx="0" cy="0"/>
+          <a:chOff x="0" y="0"/>
+          <a:chExt cx="0" cy="0"/>
+        </a:xfrm>
+      </p:grpSpPr>
+      <p:sp>
+        <p:nvSpPr>
+          <p:cNvPr id="2" name="标题 1">
+            <a:extLst>
+              <a:ext uri="{FF2B5EF4-FFF2-40B4-BE49-F238E27FC236}">
+                <a16:creationId xmlns:a16="http://schemas.microsoft.com/office/drawing/2014/main" id="{0159E277-780D-BB4D-AFD8-B0CD0C5A2310}"/>
+              </a:ext>
+            </a:extLst>
+          </p:cNvPr>
+          <p:cNvSpPr>
+            <a:spLocks noGrp="1"/>
+          </p:cNvSpPr>
+          <p:nvPr>
+            <p:ph type="title"/>
+          </p:nvPr>
+        </p:nvSpPr>
+        <p:spPr>
+          <a:xfrm>
+            <a:off x="914399" y="66517"/>
+            <a:ext cx="10364451" cy="1596177"/>
+          </a:xfrm>
+        </p:spPr>
+        <p:txBody>
+          <a:bodyPr/>
+          <a:lstStyle/>
+          <a:p>
+            <a:r>
+              <a:rPr kumimoji="1" lang="zh-CN" altLang="en-US" dirty="0"/>
+              <a:t>機能</a:t>
+            </a:r>
+          </a:p>
+        </p:txBody>
+      </p:sp>
+      <p:sp>
+        <p:nvSpPr>
+          <p:cNvPr id="3" name="内容占位符 2">
+            <a:extLst>
+              <a:ext uri="{FF2B5EF4-FFF2-40B4-BE49-F238E27FC236}">
+                <a16:creationId xmlns:a16="http://schemas.microsoft.com/office/drawing/2014/main" id="{ABC9F1C7-C790-BD44-B4FC-7FE7AC175E17}"/>
+              </a:ext>
+            </a:extLst>
+          </p:cNvPr>
+          <p:cNvSpPr>
+            <a:spLocks noGrp="1"/>
+          </p:cNvSpPr>
+          <p:nvPr>
+            <p:ph sz="quarter" idx="13"/>
+          </p:nvPr>
+        </p:nvSpPr>
+        <p:spPr>
+          <a:xfrm>
+            <a:off x="914399" y="1212111"/>
+            <a:ext cx="10363826" cy="5135525"/>
+          </a:xfrm>
+        </p:spPr>
+        <p:txBody>
+          <a:bodyPr/>
+          <a:lstStyle/>
+          <a:p>
+            <a:r>
+              <a:rPr kumimoji="1" lang="en-US" altLang="zh-CN" dirty="0"/>
+              <a:t>Index</a:t>
+            </a:r>
+          </a:p>
+          <a:p>
+            <a:endParaRPr kumimoji="1" lang="en-US" altLang="zh-CN" dirty="0"/>
+          </a:p>
+          <a:p>
+            <a:r>
+              <a:rPr kumimoji="1" lang="en-US" altLang="zh-CN" dirty="0"/>
+              <a:t>Login</a:t>
+            </a:r>
+          </a:p>
+          <a:p>
+            <a:endParaRPr kumimoji="1" lang="en-US" altLang="zh-CN" dirty="0"/>
+          </a:p>
+          <a:p>
+            <a:r>
+              <a:rPr kumimoji="1" lang="en-US" altLang="zh-CN" dirty="0" err="1"/>
+              <a:t>Regist</a:t>
+            </a:r>
+            <a:endParaRPr kumimoji="1" lang="en-US" altLang="zh-CN" dirty="0"/>
+          </a:p>
+          <a:p>
+            <a:endParaRPr kumimoji="1" lang="en-US" altLang="zh-CN" dirty="0"/>
+          </a:p>
+          <a:p>
+            <a:r>
+              <a:rPr kumimoji="1" lang="en-US" altLang="zh-CN" dirty="0"/>
+              <a:t>View</a:t>
+            </a:r>
+          </a:p>
+          <a:p>
+            <a:endParaRPr kumimoji="1" lang="en-US" altLang="zh-CN" dirty="0"/>
+          </a:p>
+          <a:p>
+            <a:endParaRPr kumimoji="1" lang="en-US" altLang="zh-CN" dirty="0"/>
+          </a:p>
+          <a:p>
+            <a:pPr marL="0" indent="0">
+              <a:buNone/>
+            </a:pPr>
+            <a:endParaRPr kumimoji="1" lang="zh-CN" altLang="en-US" dirty="0"/>
+          </a:p>
+        </p:txBody>
+      </p:sp>
+    </p:spTree>
+    <p:extLst>
+      <p:ext uri="{BB962C8B-B14F-4D97-AF65-F5344CB8AC3E}">
+        <p14:creationId xmlns:p14="http://schemas.microsoft.com/office/powerpoint/2010/main" val="2142535219"/>
+      </p:ext>
+    </p:extLst>
+  </p:cSld>
+  <p:clrMapOvr>
+    <a:masterClrMapping/>
+  </p:clrMapOvr>
+</p:sld>
+</file>
+
+<file path=ppt/slides/slide12.xml><?xml version="1.0" encoding="utf-8"?>
+<p:sld xmlns:a="http://schemas.openxmlformats.org/drawingml/2006/main" xmlns:r="http://schemas.openxmlformats.org/officeDocument/2006/relationships" xmlns:p="http://schemas.openxmlformats.org/presentationml/2006/main">
+  <p:cSld>
     <p:bg>
       <p:bgPr>
         <a:solidFill>
@@ -9799,7 +9936,7 @@
         </p:blipFill>
         <p:spPr>
           <a:xfrm>
-            <a:off x="5543451" y="867964"/>
+            <a:off x="5568461" y="976451"/>
             <a:ext cx="6623538" cy="5990036"/>
           </a:xfrm>
         </p:spPr>
@@ -9826,7 +9963,7 @@
         </p:blipFill>
         <p:spPr>
           <a:xfrm>
-            <a:off x="25010" y="976451"/>
+            <a:off x="225035" y="1084939"/>
             <a:ext cx="5543451" cy="5773061"/>
           </a:xfrm>
           <a:prstGeom prst="rect">

--- a/基本大纲_1015.pptx
+++ b/基本大纲_1015.pptx
@@ -9,14 +9,17 @@
     <p:sldId id="257" r:id="rId3"/>
     <p:sldId id="258" r:id="rId4"/>
     <p:sldId id="264" r:id="rId5"/>
-    <p:sldId id="259" r:id="rId6"/>
-    <p:sldId id="260" r:id="rId7"/>
-    <p:sldId id="261" r:id="rId8"/>
-    <p:sldId id="262" r:id="rId9"/>
-    <p:sldId id="265" r:id="rId10"/>
-    <p:sldId id="266" r:id="rId11"/>
-    <p:sldId id="267" r:id="rId12"/>
-    <p:sldId id="263" r:id="rId13"/>
+    <p:sldId id="270" r:id="rId6"/>
+    <p:sldId id="268" r:id="rId7"/>
+    <p:sldId id="269" r:id="rId8"/>
+    <p:sldId id="259" r:id="rId9"/>
+    <p:sldId id="260" r:id="rId10"/>
+    <p:sldId id="261" r:id="rId11"/>
+    <p:sldId id="262" r:id="rId12"/>
+    <p:sldId id="265" r:id="rId13"/>
+    <p:sldId id="266" r:id="rId14"/>
+    <p:sldId id="267" r:id="rId15"/>
+    <p:sldId id="263" r:id="rId16"/>
   </p:sldIdLst>
   <p:sldSz cx="12192000" cy="6858000"/>
   <p:notesSz cx="6858000" cy="9144000"/>
@@ -378,7 +381,7 @@
           <a:p>
             <a:fld id="{48A87A34-81AB-432B-8DAE-1953F412C126}" type="datetimeFigureOut">
               <a:rPr lang="en-US" dirty="0"/>
-              <a:t>10/26/21</a:t>
+              <a:t>12/17/21</a:t>
             </a:fld>
             <a:endParaRPr lang="en-US" dirty="0"/>
           </a:p>
@@ -685,7 +688,7 @@
           <a:p>
             <a:fld id="{48A87A34-81AB-432B-8DAE-1953F412C126}" type="datetimeFigureOut">
               <a:rPr lang="en-US" dirty="0"/>
-              <a:t>10/26/21</a:t>
+              <a:t>12/17/21</a:t>
             </a:fld>
             <a:endParaRPr lang="en-US" dirty="0"/>
           </a:p>
@@ -902,7 +905,7 @@
           <a:p>
             <a:fld id="{48A87A34-81AB-432B-8DAE-1953F412C126}" type="datetimeFigureOut">
               <a:rPr lang="en-US" dirty="0"/>
-              <a:t>10/26/21</a:t>
+              <a:t>12/17/21</a:t>
             </a:fld>
             <a:endParaRPr lang="en-US" dirty="0"/>
           </a:p>
@@ -1188,7 +1191,7 @@
           <a:p>
             <a:fld id="{48A87A34-81AB-432B-8DAE-1953F412C126}" type="datetimeFigureOut">
               <a:rPr lang="en-US" dirty="0"/>
-              <a:t>10/26/21</a:t>
+              <a:t>12/17/21</a:t>
             </a:fld>
             <a:endParaRPr lang="en-US" dirty="0"/>
           </a:p>
@@ -1637,7 +1640,7 @@
           <a:p>
             <a:fld id="{48A87A34-81AB-432B-8DAE-1953F412C126}" type="datetimeFigureOut">
               <a:rPr lang="en-US" dirty="0"/>
-              <a:t>10/26/21</a:t>
+              <a:t>12/17/21</a:t>
             </a:fld>
             <a:endParaRPr lang="en-US" dirty="0"/>
           </a:p>
@@ -2208,7 +2211,7 @@
           <a:p>
             <a:fld id="{48A87A34-81AB-432B-8DAE-1953F412C126}" type="datetimeFigureOut">
               <a:rPr lang="en-US" dirty="0"/>
-              <a:t>10/26/21</a:t>
+              <a:t>12/17/21</a:t>
             </a:fld>
             <a:endParaRPr lang="en-US" dirty="0"/>
           </a:p>
@@ -3055,7 +3058,7 @@
           <a:p>
             <a:fld id="{48A87A34-81AB-432B-8DAE-1953F412C126}" type="datetimeFigureOut">
               <a:rPr lang="en-US" dirty="0"/>
-              <a:t>10/26/21</a:t>
+              <a:t>12/17/21</a:t>
             </a:fld>
             <a:endParaRPr lang="en-US" dirty="0"/>
           </a:p>
@@ -3255,7 +3258,7 @@
           <a:p>
             <a:fld id="{48A87A34-81AB-432B-8DAE-1953F412C126}" type="datetimeFigureOut">
               <a:rPr lang="en-US" dirty="0"/>
-              <a:t>10/26/21</a:t>
+              <a:t>12/17/21</a:t>
             </a:fld>
             <a:endParaRPr lang="en-US" dirty="0"/>
           </a:p>
@@ -3464,7 +3467,7 @@
           <a:p>
             <a:fld id="{48A87A34-81AB-432B-8DAE-1953F412C126}" type="datetimeFigureOut">
               <a:rPr lang="en-US" dirty="0"/>
-              <a:t>10/26/21</a:t>
+              <a:t>12/17/21</a:t>
             </a:fld>
             <a:endParaRPr lang="en-US" dirty="0"/>
           </a:p>
@@ -3664,7 +3667,7 @@
           <a:p>
             <a:fld id="{48A87A34-81AB-432B-8DAE-1953F412C126}" type="datetimeFigureOut">
               <a:rPr lang="en-US" dirty="0"/>
-              <a:t>10/26/21</a:t>
+              <a:t>12/17/21</a:t>
             </a:fld>
             <a:endParaRPr lang="en-US" dirty="0"/>
           </a:p>
@@ -3939,7 +3942,7 @@
           <a:p>
             <a:fld id="{48A87A34-81AB-432B-8DAE-1953F412C126}" type="datetimeFigureOut">
               <a:rPr lang="en-US" dirty="0"/>
-              <a:t>10/26/21</a:t>
+              <a:t>12/17/21</a:t>
             </a:fld>
             <a:endParaRPr lang="en-US" dirty="0"/>
           </a:p>
@@ -4201,7 +4204,7 @@
           <a:p>
             <a:fld id="{48A87A34-81AB-432B-8DAE-1953F412C126}" type="datetimeFigureOut">
               <a:rPr lang="en-US" dirty="0"/>
-              <a:t>10/26/21</a:t>
+              <a:t>12/17/21</a:t>
             </a:fld>
             <a:endParaRPr lang="en-US" dirty="0"/>
           </a:p>
@@ -4611,7 +4614,7 @@
           <a:p>
             <a:fld id="{48A87A34-81AB-432B-8DAE-1953F412C126}" type="datetimeFigureOut">
               <a:rPr lang="en-US" dirty="0"/>
-              <a:t>10/26/21</a:t>
+              <a:t>12/17/21</a:t>
             </a:fld>
             <a:endParaRPr lang="en-US" dirty="0"/>
           </a:p>
@@ -4754,7 +4757,7 @@
           <a:p>
             <a:fld id="{48A87A34-81AB-432B-8DAE-1953F412C126}" type="datetimeFigureOut">
               <a:rPr lang="en-US" dirty="0"/>
-              <a:t>10/26/21</a:t>
+              <a:t>12/17/21</a:t>
             </a:fld>
             <a:endParaRPr lang="en-US" dirty="0"/>
           </a:p>
@@ -4874,7 +4877,7 @@
           <a:p>
             <a:fld id="{48A87A34-81AB-432B-8DAE-1953F412C126}" type="datetimeFigureOut">
               <a:rPr lang="en-US" dirty="0"/>
-              <a:t>10/26/21</a:t>
+              <a:t>12/17/21</a:t>
             </a:fld>
             <a:endParaRPr lang="en-US" dirty="0"/>
           </a:p>
@@ -5148,7 +5151,7 @@
           <a:p>
             <a:fld id="{48A87A34-81AB-432B-8DAE-1953F412C126}" type="datetimeFigureOut">
               <a:rPr lang="en-US" dirty="0"/>
-              <a:t>10/26/21</a:t>
+              <a:t>12/17/21</a:t>
             </a:fld>
             <a:endParaRPr lang="en-US" dirty="0"/>
           </a:p>
@@ -5455,7 +5458,7 @@
           <a:p>
             <a:fld id="{48A87A34-81AB-432B-8DAE-1953F412C126}" type="datetimeFigureOut">
               <a:rPr lang="en-US" dirty="0"/>
-              <a:t>10/26/21</a:t>
+              <a:t>12/17/21</a:t>
             </a:fld>
             <a:endParaRPr lang="en-US" dirty="0"/>
           </a:p>
@@ -5704,7 +5707,7 @@
             <a:fld id="{48A87A34-81AB-432B-8DAE-1953F412C126}" type="datetimeFigureOut">
               <a:rPr lang="en-US" dirty="0"/>
               <a:pPr/>
-              <a:t>10/26/21</a:t>
+              <a:t>12/17/21</a:t>
             </a:fld>
             <a:endParaRPr lang="en-US" dirty="0"/>
           </a:p>
@@ -6270,651 +6273,97 @@
           <a:chExt cx="0" cy="0"/>
         </a:xfrm>
       </p:grpSpPr>
-      <p:sp>
-        <p:nvSpPr>
-          <p:cNvPr id="3" name="内容占位符 2">
+      <p:pic>
+        <p:nvPicPr>
+          <p:cNvPr id="5" name="内容占位符 4" descr="图形用户界面, 文本, 应用程序, 电子邮件&#10;&#10;描述已自动生成">
             <a:extLst>
               <a:ext uri="{FF2B5EF4-FFF2-40B4-BE49-F238E27FC236}">
-                <a16:creationId xmlns:a16="http://schemas.microsoft.com/office/drawing/2014/main" id="{956710AC-02AD-A04B-830D-E29172DF657E}"/>
+                <a16:creationId xmlns:a16="http://schemas.microsoft.com/office/drawing/2014/main" id="{E17074D3-84F1-A94B-8A01-E7F3C6417C47}"/>
               </a:ext>
             </a:extLst>
           </p:cNvPr>
-          <p:cNvSpPr>
-            <a:spLocks noGrp="1"/>
-          </p:cNvSpPr>
+          <p:cNvPicPr>
+            <a:picLocks noGrp="1" noChangeAspect="1"/>
+          </p:cNvPicPr>
           <p:nvPr>
             <p:ph sz="quarter" idx="13"/>
           </p:nvPr>
-        </p:nvSpPr>
-        <p:spPr>
-          <a:xfrm>
-            <a:off x="1129861" y="193896"/>
-            <a:ext cx="9932278" cy="5619183"/>
-          </a:xfrm>
-        </p:spPr>
-        <p:txBody>
-          <a:bodyPr numCol="2">
-            <a:noAutofit/>
+        </p:nvPicPr>
+        <p:blipFill>
+          <a:blip r:embed="rId2"/>
+          <a:stretch>
+            <a:fillRect/>
+          </a:stretch>
+        </p:blipFill>
+        <p:spPr>
+          <a:xfrm>
+            <a:off x="1232857" y="794544"/>
+            <a:ext cx="6828706" cy="5268912"/>
+          </a:xfrm>
+        </p:spPr>
+      </p:pic>
+      <p:sp>
+        <p:nvSpPr>
+          <p:cNvPr id="6" name="文本框 5">
+            <a:extLst>
+              <a:ext uri="{FF2B5EF4-FFF2-40B4-BE49-F238E27FC236}">
+                <a16:creationId xmlns:a16="http://schemas.microsoft.com/office/drawing/2014/main" id="{767311D4-3702-A040-9971-EE3BA8D5F14C}"/>
+              </a:ext>
+            </a:extLst>
+          </p:cNvPr>
+          <p:cNvSpPr txBox="1"/>
+          <p:nvPr/>
+        </p:nvSpPr>
+        <p:spPr>
+          <a:xfrm>
+            <a:off x="8324602" y="2505670"/>
+            <a:ext cx="3416320" cy="923330"/>
+          </a:xfrm>
+          <a:prstGeom prst="rect">
+            <a:avLst/>
+          </a:prstGeom>
+          <a:noFill/>
+        </p:spPr>
+        <p:txBody>
+          <a:bodyPr wrap="none" rtlCol="0">
+            <a:spAutoFit/>
           </a:bodyPr>
           <a:lstStyle/>
           <a:p>
             <a:r>
-              <a:rPr kumimoji="1" lang="en" altLang="zh-CN" sz="800" dirty="0"/>
-              <a:t>-- customer</a:t>
-            </a:r>
-            <a:r>
-              <a:rPr kumimoji="1" lang="zh-CN" altLang="en-US" sz="800" dirty="0"/>
-              <a:t>表</a:t>
-            </a:r>
-          </a:p>
-          <a:p>
-            <a:r>
-              <a:rPr kumimoji="1" lang="en" altLang="zh-CN" sz="800" dirty="0"/>
-              <a:t>drop database if exists </a:t>
-            </a:r>
-            <a:r>
-              <a:rPr kumimoji="1" lang="en" altLang="zh-CN" sz="800" dirty="0" err="1"/>
-              <a:t>petweb</a:t>
-            </a:r>
-            <a:r>
-              <a:rPr kumimoji="1" lang="en" altLang="zh-CN" sz="800" dirty="0"/>
-              <a:t>;</a:t>
-            </a:r>
-          </a:p>
-          <a:p>
-            <a:r>
-              <a:rPr kumimoji="1" lang="en" altLang="zh-CN" sz="800" dirty="0"/>
-              <a:t>create database </a:t>
-            </a:r>
-            <a:r>
-              <a:rPr kumimoji="1" lang="en" altLang="zh-CN" sz="800" dirty="0" err="1"/>
-              <a:t>petweb</a:t>
-            </a:r>
-            <a:r>
-              <a:rPr kumimoji="1" lang="en" altLang="zh-CN" sz="800" dirty="0"/>
-              <a:t>;</a:t>
-            </a:r>
-          </a:p>
-          <a:p>
-            <a:r>
-              <a:rPr kumimoji="1" lang="en" altLang="zh-CN" sz="800" dirty="0"/>
-              <a:t>use </a:t>
-            </a:r>
-            <a:r>
-              <a:rPr kumimoji="1" lang="en" altLang="zh-CN" sz="800" dirty="0" err="1"/>
-              <a:t>petweb</a:t>
-            </a:r>
-            <a:r>
-              <a:rPr kumimoji="1" lang="en" altLang="zh-CN" sz="800" dirty="0"/>
-              <a:t>;</a:t>
-            </a:r>
-          </a:p>
-          <a:p>
-            <a:r>
-              <a:rPr kumimoji="1" lang="en" altLang="zh-CN" sz="800" dirty="0"/>
-              <a:t>create table customer(</a:t>
-            </a:r>
-          </a:p>
-          <a:p>
-            <a:r>
-              <a:rPr kumimoji="1" lang="en" altLang="zh-CN" sz="800" dirty="0"/>
-              <a:t>	</a:t>
-            </a:r>
-            <a:r>
-              <a:rPr kumimoji="1" lang="en" altLang="zh-CN" sz="800" dirty="0" err="1"/>
-              <a:t>custid</a:t>
-            </a:r>
-            <a:r>
-              <a:rPr kumimoji="1" lang="en" altLang="zh-CN" sz="800" dirty="0"/>
-              <a:t> int primary key </a:t>
-            </a:r>
-            <a:r>
-              <a:rPr kumimoji="1" lang="en" altLang="zh-CN" sz="800" dirty="0" err="1"/>
-              <a:t>auto_increment</a:t>
-            </a:r>
-            <a:r>
-              <a:rPr kumimoji="1" lang="en" altLang="zh-CN" sz="800" dirty="0"/>
-              <a:t>,</a:t>
-            </a:r>
-          </a:p>
-          <a:p>
-            <a:r>
-              <a:rPr kumimoji="1" lang="en" altLang="zh-CN" sz="800" dirty="0"/>
-              <a:t>	</a:t>
-            </a:r>
-            <a:r>
-              <a:rPr kumimoji="1" lang="en" altLang="zh-CN" sz="800" dirty="0" err="1"/>
-              <a:t>custname</a:t>
-            </a:r>
-            <a:r>
-              <a:rPr kumimoji="1" lang="en" altLang="zh-CN" sz="800" dirty="0"/>
-              <a:t> varchar(20) not null unique,</a:t>
-            </a:r>
-          </a:p>
-          <a:p>
-            <a:r>
-              <a:rPr kumimoji="1" lang="en" altLang="zh-CN" sz="800" dirty="0"/>
-              <a:t>	</a:t>
-            </a:r>
-            <a:r>
-              <a:rPr kumimoji="1" lang="en" altLang="zh-CN" sz="800" dirty="0" err="1"/>
-              <a:t>custpassword</a:t>
-            </a:r>
-            <a:r>
-              <a:rPr kumimoji="1" lang="en" altLang="zh-CN" sz="800" dirty="0"/>
-              <a:t> varchar(32) not null,</a:t>
-            </a:r>
-          </a:p>
-          <a:p>
-            <a:r>
-              <a:rPr kumimoji="1" lang="en" altLang="zh-CN" sz="800" dirty="0"/>
-              <a:t>	</a:t>
-            </a:r>
-            <a:r>
-              <a:rPr kumimoji="1" lang="en" altLang="zh-CN" sz="800" dirty="0" err="1"/>
-              <a:t>custsex</a:t>
-            </a:r>
-            <a:r>
-              <a:rPr kumimoji="1" lang="en" altLang="zh-CN" sz="800" dirty="0"/>
-              <a:t> TINYINT(1),</a:t>
-            </a:r>
-          </a:p>
-          <a:p>
-            <a:r>
-              <a:rPr kumimoji="1" lang="en" altLang="zh-CN" sz="800" dirty="0"/>
-              <a:t>	</a:t>
-            </a:r>
-            <a:r>
-              <a:rPr kumimoji="1" lang="en" altLang="zh-CN" sz="800" dirty="0" err="1"/>
-              <a:t>custemail</a:t>
-            </a:r>
-            <a:r>
-              <a:rPr kumimoji="1" lang="en" altLang="zh-CN" sz="800" dirty="0"/>
-              <a:t> varchar(200),</a:t>
-            </a:r>
-          </a:p>
-          <a:p>
-            <a:r>
-              <a:rPr kumimoji="1" lang="en" altLang="zh-CN" sz="800" dirty="0"/>
-              <a:t>	</a:t>
-            </a:r>
-            <a:r>
-              <a:rPr kumimoji="1" lang="en" altLang="zh-CN" sz="800" dirty="0" err="1"/>
-              <a:t>custaddress</a:t>
-            </a:r>
-            <a:r>
-              <a:rPr kumimoji="1" lang="en" altLang="zh-CN" sz="800" dirty="0"/>
-              <a:t> VARCHAR(300)</a:t>
-            </a:r>
-          </a:p>
-          <a:p>
-            <a:r>
-              <a:rPr kumimoji="1" lang="en" altLang="zh-CN" sz="800" dirty="0"/>
-              <a:t>);</a:t>
-            </a:r>
-          </a:p>
-          <a:p>
-            <a:r>
-              <a:rPr kumimoji="1" lang="en" altLang="zh-CN" sz="800" dirty="0"/>
-              <a:t>insert into customer(</a:t>
-            </a:r>
-            <a:r>
-              <a:rPr kumimoji="1" lang="en" altLang="zh-CN" sz="800" dirty="0" err="1"/>
-              <a:t>custname,custpassword,custsex,custemail,custaddress</a:t>
-            </a:r>
-            <a:r>
-              <a:rPr kumimoji="1" lang="en" altLang="zh-CN" sz="800" dirty="0"/>
-              <a:t>) values('admin','admin',0,'admin@jh.com','</a:t>
-            </a:r>
-            <a:r>
-              <a:rPr kumimoji="1" lang="zh-CN" altLang="en-US" sz="800" dirty="0"/>
-              <a:t>品川区南大井</a:t>
-            </a:r>
-            <a:r>
-              <a:rPr kumimoji="1" lang="en-US" altLang="zh-CN" sz="800" dirty="0"/>
-              <a:t>1-1-1');</a:t>
-            </a:r>
-          </a:p>
-          <a:p>
-            <a:r>
-              <a:rPr kumimoji="1" lang="en" altLang="zh-CN" sz="800" dirty="0"/>
-              <a:t>select * from customer;</a:t>
-            </a:r>
-          </a:p>
-          <a:p>
-            <a:endParaRPr kumimoji="1" lang="en" altLang="zh-CN" sz="800" dirty="0"/>
-          </a:p>
-          <a:p>
-            <a:r>
-              <a:rPr kumimoji="1" lang="en" altLang="zh-CN" sz="800" dirty="0"/>
-              <a:t>-- company</a:t>
-            </a:r>
-            <a:r>
-              <a:rPr kumimoji="1" lang="zh-CN" altLang="en-US" sz="800" dirty="0"/>
-              <a:t>表</a:t>
-            </a:r>
-          </a:p>
-          <a:p>
-            <a:r>
-              <a:rPr kumimoji="1" lang="en" altLang="zh-CN" sz="800" dirty="0"/>
-              <a:t>DROP TABLE IF EXISTS company;</a:t>
-            </a:r>
-          </a:p>
-          <a:p>
-            <a:r>
-              <a:rPr kumimoji="1" lang="en" altLang="zh-CN" sz="800" dirty="0"/>
-              <a:t>CREATE TABLE company (</a:t>
-            </a:r>
-          </a:p>
-          <a:p>
-            <a:r>
-              <a:rPr kumimoji="1" lang="en" altLang="zh-CN" sz="800" dirty="0"/>
-              <a:t>	</a:t>
-            </a:r>
-            <a:r>
-              <a:rPr kumimoji="1" lang="en" altLang="zh-CN" sz="800" dirty="0" err="1"/>
-              <a:t>compid</a:t>
-            </a:r>
-            <a:r>
-              <a:rPr kumimoji="1" lang="en" altLang="zh-CN" sz="800" dirty="0"/>
-              <a:t> INT PRIMARY KEY </a:t>
-            </a:r>
-            <a:r>
-              <a:rPr kumimoji="1" lang="en" altLang="zh-CN" sz="800" dirty="0" err="1"/>
-              <a:t>auto_increment</a:t>
-            </a:r>
-            <a:r>
-              <a:rPr kumimoji="1" lang="en" altLang="zh-CN" sz="800" dirty="0"/>
-              <a:t>,</a:t>
-            </a:r>
-          </a:p>
-          <a:p>
-            <a:r>
-              <a:rPr kumimoji="1" lang="en" altLang="zh-CN" sz="800" dirty="0"/>
-              <a:t>	</a:t>
-            </a:r>
-            <a:r>
-              <a:rPr kumimoji="1" lang="en" altLang="zh-CN" sz="800" dirty="0" err="1"/>
-              <a:t>compusername</a:t>
-            </a:r>
-            <a:r>
-              <a:rPr kumimoji="1" lang="en" altLang="zh-CN" sz="800" dirty="0"/>
-              <a:t> VARCHAR ( 20 ) NOT NULL UNIQUE,</a:t>
-            </a:r>
-          </a:p>
-          <a:p>
-            <a:r>
-              <a:rPr kumimoji="1" lang="en" altLang="zh-CN" sz="800" dirty="0"/>
-              <a:t>	</a:t>
-            </a:r>
-            <a:r>
-              <a:rPr kumimoji="1" lang="en" altLang="zh-CN" sz="800" dirty="0" err="1"/>
-              <a:t>comppassword</a:t>
-            </a:r>
-            <a:r>
-              <a:rPr kumimoji="1" lang="en" altLang="zh-CN" sz="800" dirty="0"/>
-              <a:t> VARCHAR ( 32 ) NOT NULL,</a:t>
-            </a:r>
-          </a:p>
-          <a:p>
-            <a:r>
-              <a:rPr kumimoji="1" lang="en" altLang="zh-CN" sz="800" dirty="0"/>
-              <a:t>	</a:t>
-            </a:r>
-            <a:r>
-              <a:rPr kumimoji="1" lang="en" altLang="zh-CN" sz="800" dirty="0" err="1"/>
-              <a:t>compname</a:t>
-            </a:r>
-            <a:r>
-              <a:rPr kumimoji="1" lang="en" altLang="zh-CN" sz="800" dirty="0"/>
-              <a:t> VARCHAR ( 32 ) NOT NULL,</a:t>
-            </a:r>
-          </a:p>
-          <a:p>
-            <a:r>
-              <a:rPr kumimoji="1" lang="en" altLang="zh-CN" sz="800" dirty="0"/>
-              <a:t>	</a:t>
-            </a:r>
-            <a:r>
-              <a:rPr kumimoji="1" lang="en" altLang="zh-CN" sz="800" dirty="0" err="1"/>
-              <a:t>compemail</a:t>
-            </a:r>
-            <a:r>
-              <a:rPr kumimoji="1" lang="en" altLang="zh-CN" sz="800" dirty="0"/>
-              <a:t> VARCHAR ( 200 ),</a:t>
-            </a:r>
-          </a:p>
-          <a:p>
-            <a:r>
-              <a:rPr kumimoji="1" lang="en" altLang="zh-CN" sz="800" dirty="0"/>
-              <a:t>	</a:t>
-            </a:r>
-            <a:r>
-              <a:rPr kumimoji="1" lang="en" altLang="zh-CN" sz="800" dirty="0" err="1"/>
-              <a:t>legalname</a:t>
-            </a:r>
-            <a:r>
-              <a:rPr kumimoji="1" lang="en" altLang="zh-CN" sz="800" dirty="0"/>
-              <a:t> VARCHAR ( 200 ) ,</a:t>
-            </a:r>
-          </a:p>
-          <a:p>
-            <a:r>
-              <a:rPr kumimoji="1" lang="en" altLang="zh-CN" sz="800" dirty="0"/>
-              <a:t>	</a:t>
-            </a:r>
-            <a:r>
-              <a:rPr kumimoji="1" lang="en" altLang="zh-CN" sz="800" dirty="0" err="1"/>
-              <a:t>compaddress</a:t>
-            </a:r>
-            <a:r>
-              <a:rPr kumimoji="1" lang="en" altLang="zh-CN" sz="800" dirty="0"/>
-              <a:t> VARCHAR(255)</a:t>
-            </a:r>
-          </a:p>
-          <a:p>
-            <a:r>
-              <a:rPr kumimoji="1" lang="en" altLang="zh-CN" sz="800" dirty="0"/>
-              <a:t>);</a:t>
-            </a:r>
-          </a:p>
-          <a:p>
-            <a:r>
-              <a:rPr kumimoji="1" lang="en" altLang="zh-CN" sz="800" dirty="0"/>
-              <a:t>INSERT INTO company ( </a:t>
-            </a:r>
-            <a:r>
-              <a:rPr kumimoji="1" lang="en" altLang="zh-CN" sz="800" dirty="0" err="1"/>
-              <a:t>compusername</a:t>
-            </a:r>
-            <a:r>
-              <a:rPr kumimoji="1" lang="en" altLang="zh-CN" sz="800" dirty="0"/>
-              <a:t>, </a:t>
-            </a:r>
-            <a:r>
-              <a:rPr kumimoji="1" lang="en" altLang="zh-CN" sz="800" dirty="0" err="1"/>
-              <a:t>comppassword</a:t>
-            </a:r>
-            <a:r>
-              <a:rPr kumimoji="1" lang="en" altLang="zh-CN" sz="800" dirty="0"/>
-              <a:t>, </a:t>
-            </a:r>
-            <a:r>
-              <a:rPr kumimoji="1" lang="en" altLang="zh-CN" sz="800" dirty="0" err="1"/>
-              <a:t>compname</a:t>
-            </a:r>
-            <a:r>
-              <a:rPr kumimoji="1" lang="en" altLang="zh-CN" sz="800" dirty="0"/>
-              <a:t>, </a:t>
-            </a:r>
-            <a:r>
-              <a:rPr kumimoji="1" lang="en" altLang="zh-CN" sz="800" dirty="0" err="1"/>
-              <a:t>compemail</a:t>
-            </a:r>
-            <a:r>
-              <a:rPr kumimoji="1" lang="en" altLang="zh-CN" sz="800" dirty="0"/>
-              <a:t>, </a:t>
-            </a:r>
-            <a:r>
-              <a:rPr kumimoji="1" lang="en" altLang="zh-CN" sz="800" dirty="0" err="1"/>
-              <a:t>legalname</a:t>
-            </a:r>
-            <a:r>
-              <a:rPr kumimoji="1" lang="en" altLang="zh-CN" sz="800" dirty="0"/>
-              <a:t> ,</a:t>
-            </a:r>
-            <a:r>
-              <a:rPr kumimoji="1" lang="en" altLang="zh-CN" sz="800" dirty="0" err="1"/>
-              <a:t>compaddress</a:t>
-            </a:r>
-            <a:r>
-              <a:rPr kumimoji="1" lang="en" altLang="zh-CN" sz="800" dirty="0"/>
-              <a:t>)</a:t>
-            </a:r>
-          </a:p>
-          <a:p>
-            <a:r>
-              <a:rPr kumimoji="1" lang="en" altLang="zh-CN" sz="800" dirty="0"/>
-              <a:t>VALUES</a:t>
-            </a:r>
-          </a:p>
-          <a:p>
-            <a:r>
-              <a:rPr kumimoji="1" lang="en" altLang="zh-CN" sz="800" dirty="0"/>
-              <a:t>	( 'admin', 'admin', '</a:t>
-            </a:r>
-            <a:r>
-              <a:rPr kumimoji="1" lang="zh-CN" altLang="en-US" sz="800" dirty="0"/>
-              <a:t>日本工学院株式会社</a:t>
-            </a:r>
-            <a:r>
-              <a:rPr kumimoji="1" lang="en-US" altLang="zh-CN" sz="800" dirty="0"/>
-              <a:t>', '</a:t>
-            </a:r>
-            <a:r>
-              <a:rPr kumimoji="1" lang="en" altLang="zh-CN" sz="800" dirty="0" err="1"/>
-              <a:t>admin@gmail.com</a:t>
-            </a:r>
-            <a:r>
-              <a:rPr kumimoji="1" lang="en" altLang="zh-CN" sz="800" dirty="0"/>
-              <a:t>', '</a:t>
-            </a:r>
-            <a:r>
-              <a:rPr kumimoji="1" lang="zh-CN" altLang="en-US" sz="800" dirty="0"/>
-              <a:t>大田太郎</a:t>
-            </a:r>
-            <a:r>
-              <a:rPr kumimoji="1" lang="en-US" altLang="zh-CN" sz="800" dirty="0"/>
-              <a:t>','</a:t>
-            </a:r>
-            <a:r>
-              <a:rPr kumimoji="1" lang="zh-CN" altLang="en-US" sz="800" dirty="0"/>
-              <a:t>太田区</a:t>
-            </a:r>
-            <a:r>
-              <a:rPr kumimoji="1" lang="en-US" altLang="zh-CN" sz="800" dirty="0"/>
-              <a:t>1-1-1' );</a:t>
-            </a:r>
-          </a:p>
-          <a:p>
-            <a:r>
-              <a:rPr kumimoji="1" lang="en" altLang="zh-CN" sz="800" dirty="0"/>
-              <a:t>SELECT * FROM company;</a:t>
-            </a:r>
-          </a:p>
-          <a:p>
-            <a:endParaRPr kumimoji="1" lang="en" altLang="zh-CN" sz="800" dirty="0"/>
-          </a:p>
-          <a:p>
-            <a:r>
-              <a:rPr kumimoji="1" lang="en" altLang="zh-CN" sz="800" dirty="0"/>
-              <a:t>-- pets</a:t>
-            </a:r>
-            <a:r>
-              <a:rPr kumimoji="1" lang="zh-CN" altLang="en-US" sz="800" dirty="0"/>
-              <a:t>表</a:t>
-            </a:r>
-          </a:p>
-          <a:p>
-            <a:r>
-              <a:rPr kumimoji="1" lang="en" altLang="zh-CN" sz="800" dirty="0"/>
-              <a:t>DROP TABLE IF EXISTS pets;</a:t>
-            </a:r>
-          </a:p>
-          <a:p>
-            <a:r>
-              <a:rPr kumimoji="1" lang="en" altLang="zh-CN" sz="800" dirty="0"/>
-              <a:t>CREATE TABLE pets (</a:t>
-            </a:r>
-          </a:p>
-          <a:p>
-            <a:r>
-              <a:rPr kumimoji="1" lang="en" altLang="zh-CN" sz="800" dirty="0"/>
-              <a:t>	id INT PRIMARY KEY </a:t>
-            </a:r>
-            <a:r>
-              <a:rPr kumimoji="1" lang="en" altLang="zh-CN" sz="800" dirty="0" err="1"/>
-              <a:t>auto_increment</a:t>
-            </a:r>
-            <a:r>
-              <a:rPr kumimoji="1" lang="en" altLang="zh-CN" sz="800" dirty="0"/>
-              <a:t>,</a:t>
-            </a:r>
-          </a:p>
-          <a:p>
-            <a:r>
-              <a:rPr kumimoji="1" lang="en" altLang="zh-CN" sz="800" dirty="0"/>
-              <a:t>	</a:t>
-            </a:r>
-            <a:r>
-              <a:rPr kumimoji="1" lang="en" altLang="zh-CN" sz="800" dirty="0" err="1"/>
-              <a:t>petsname</a:t>
-            </a:r>
-            <a:r>
-              <a:rPr kumimoji="1" lang="en" altLang="zh-CN" sz="800" dirty="0"/>
-              <a:t> VARCHAR ( 20 ) NOT NULL UNIQUE,</a:t>
-            </a:r>
-          </a:p>
-          <a:p>
-            <a:r>
-              <a:rPr kumimoji="1" lang="en" altLang="zh-CN" sz="800" dirty="0"/>
-              <a:t>	species VARCHAR(40) NOT NULL,</a:t>
-            </a:r>
-          </a:p>
-          <a:p>
-            <a:r>
-              <a:rPr kumimoji="1" lang="en" altLang="zh-CN" sz="800" dirty="0"/>
-              <a:t>	amount INTEGER (3) NOT NULL,</a:t>
-            </a:r>
-          </a:p>
-          <a:p>
-            <a:r>
-              <a:rPr kumimoji="1" lang="en" altLang="zh-CN" sz="800" dirty="0"/>
-              <a:t>	instruction VARCHAR(255)</a:t>
-            </a:r>
-          </a:p>
-          <a:p>
-            <a:r>
-              <a:rPr kumimoji="1" lang="en" altLang="zh-CN" sz="800" dirty="0"/>
-              <a:t>-- 	</a:t>
-            </a:r>
-            <a:r>
-              <a:rPr kumimoji="1" lang="zh-CN" altLang="en-US" sz="800" dirty="0"/>
-              <a:t>差一个</a:t>
-            </a:r>
-            <a:r>
-              <a:rPr kumimoji="1" lang="en" altLang="zh-CN" sz="800" dirty="0" err="1"/>
-              <a:t>bolb</a:t>
-            </a:r>
-            <a:r>
-              <a:rPr kumimoji="1" lang="zh-CN" altLang="en-US" sz="800" dirty="0"/>
-              <a:t>类型的图片（手动添加）</a:t>
-            </a:r>
-          </a:p>
-          <a:p>
-            <a:r>
-              <a:rPr kumimoji="1" lang="en-US" altLang="zh-CN" sz="800" dirty="0"/>
-              <a:t>);</a:t>
-            </a:r>
-          </a:p>
-          <a:p>
-            <a:endParaRPr kumimoji="1" lang="en-US" altLang="zh-CN" sz="800" dirty="0"/>
-          </a:p>
-          <a:p>
-            <a:r>
-              <a:rPr kumimoji="1" lang="en" altLang="zh-CN" sz="800" dirty="0"/>
-              <a:t>INSERT INTO pets (</a:t>
-            </a:r>
-            <a:r>
-              <a:rPr kumimoji="1" lang="en" altLang="zh-CN" sz="800" dirty="0" err="1"/>
-              <a:t>petsname,species,amount,instruction</a:t>
-            </a:r>
-            <a:r>
-              <a:rPr kumimoji="1" lang="en" altLang="zh-CN" sz="800" dirty="0"/>
-              <a:t>)</a:t>
-            </a:r>
-          </a:p>
-          <a:p>
-            <a:r>
-              <a:rPr kumimoji="1" lang="en" altLang="zh-CN" sz="800" dirty="0"/>
-              <a:t>VALUES</a:t>
-            </a:r>
-          </a:p>
-          <a:p>
-            <a:r>
-              <a:rPr kumimoji="1" lang="en" altLang="zh-CN" sz="800" dirty="0"/>
-              <a:t>	('</a:t>
-            </a:r>
-            <a:r>
-              <a:rPr kumimoji="1" lang="ja-JP" altLang="en-US" sz="800"/>
-              <a:t>ももちゃん</a:t>
-            </a:r>
-            <a:r>
-              <a:rPr kumimoji="1" lang="en-US" altLang="ja-JP" sz="800" dirty="0"/>
-              <a:t>','</a:t>
-            </a:r>
-            <a:r>
-              <a:rPr kumimoji="1" lang="en" altLang="zh-CN" sz="800" dirty="0"/>
-              <a:t>cat',10,'</a:t>
-            </a:r>
-            <a:r>
-              <a:rPr kumimoji="1" lang="zh-CN" altLang="en-US" sz="800" dirty="0"/>
-              <a:t>可愛</a:t>
-            </a:r>
-            <a:r>
-              <a:rPr kumimoji="1" lang="ja-JP" altLang="en-US" sz="800"/>
-              <a:t>いももちゃんだよ、</a:t>
-            </a:r>
-            <a:r>
-              <a:rPr kumimoji="1" lang="zh-CN" altLang="en-US" sz="800" dirty="0"/>
-              <a:t>今後</a:t>
-            </a:r>
-            <a:r>
-              <a:rPr kumimoji="1" lang="ja-JP" altLang="en-US" sz="800"/>
-              <a:t>の</a:t>
-            </a:r>
-            <a:r>
-              <a:rPr kumimoji="1" lang="zh-CN" altLang="en-US" sz="800" dirty="0"/>
-              <a:t>人生</a:t>
-            </a:r>
-            <a:r>
-              <a:rPr kumimoji="1" lang="ja-JP" altLang="en-US" sz="800"/>
-              <a:t>は</a:t>
-            </a:r>
-            <a:r>
-              <a:rPr kumimoji="1" lang="zh-CN" altLang="en-US" sz="800" dirty="0"/>
-              <a:t>一緒</a:t>
-            </a:r>
-            <a:r>
-              <a:rPr kumimoji="1" lang="ja-JP" altLang="en-US" sz="800"/>
-              <a:t>に</a:t>
-            </a:r>
-            <a:r>
-              <a:rPr kumimoji="1" lang="zh-CN" altLang="en-US" sz="800" dirty="0"/>
-              <a:t>過</a:t>
-            </a:r>
-            <a:r>
-              <a:rPr kumimoji="1" lang="ja-JP" altLang="en-US" sz="800"/>
-              <a:t>ごしましょう！</a:t>
-            </a:r>
-            <a:r>
-              <a:rPr kumimoji="1" lang="en-US" altLang="ja-JP" sz="800" dirty="0"/>
-              <a:t>');</a:t>
-            </a:r>
-          </a:p>
-          <a:p>
-            <a:r>
-              <a:rPr kumimoji="1" lang="en" altLang="zh-CN" sz="800" dirty="0"/>
-              <a:t>SELECT * FROM pets;</a:t>
-            </a:r>
-            <a:endParaRPr kumimoji="1" lang="zh-CN" altLang="en-US" sz="800" dirty="0"/>
+              <a:rPr kumimoji="1" lang="zh-CN" altLang="en-US" dirty="0"/>
+              <a:t>将这些个文件中的</a:t>
+            </a:r>
+            <a:r>
+              <a:rPr kumimoji="1" lang="en-US" altLang="zh-CN" dirty="0"/>
+              <a:t>.html</a:t>
+            </a:r>
+            <a:r>
+              <a:rPr kumimoji="1" lang="zh-CN" altLang="en-US" dirty="0"/>
+              <a:t>代码进行</a:t>
+            </a:r>
+            <a:endParaRPr kumimoji="1" lang="en-US" altLang="zh-CN" dirty="0"/>
+          </a:p>
+          <a:p>
+            <a:r>
+              <a:rPr kumimoji="1" lang="zh-CN" altLang="en-US" dirty="0"/>
+              <a:t>相应的搭配，以及大小的修改就</a:t>
+            </a:r>
+            <a:endParaRPr kumimoji="1" lang="en-US" altLang="zh-CN" dirty="0"/>
+          </a:p>
+          <a:p>
+            <a:r>
+              <a:rPr kumimoji="1" lang="zh-CN" altLang="en-US" dirty="0"/>
+              <a:t>可以呈现出各种页面效果</a:t>
+            </a:r>
+            <a:endParaRPr kumimoji="1" lang="en-US" altLang="zh-CN" dirty="0"/>
           </a:p>
         </p:txBody>
       </p:sp>
     </p:spTree>
     <p:extLst>
       <p:ext uri="{BB962C8B-B14F-4D97-AF65-F5344CB8AC3E}">
-        <p14:creationId xmlns:p14="http://schemas.microsoft.com/office/powerpoint/2010/main" val="3696797179"/>
+        <p14:creationId xmlns:p14="http://schemas.microsoft.com/office/powerpoint/2010/main" val="1378506242"/>
       </p:ext>
     </p:extLst>
   </p:cSld>
@@ -6946,6 +6395,919 @@
           <p:cNvPr id="2" name="标题 1">
             <a:extLst>
               <a:ext uri="{FF2B5EF4-FFF2-40B4-BE49-F238E27FC236}">
+                <a16:creationId xmlns:a16="http://schemas.microsoft.com/office/drawing/2014/main" id="{7B7D86A1-00E1-FB40-878C-8501689AB492}"/>
+              </a:ext>
+            </a:extLst>
+          </p:cNvPr>
+          <p:cNvSpPr>
+            <a:spLocks noGrp="1"/>
+          </p:cNvSpPr>
+          <p:nvPr>
+            <p:ph type="title"/>
+          </p:nvPr>
+        </p:nvSpPr>
+        <p:spPr/>
+        <p:txBody>
+          <a:bodyPr/>
+          <a:lstStyle/>
+          <a:p>
+            <a:r>
+              <a:rPr kumimoji="1" lang="zh-CN" altLang="en-US" dirty="0"/>
+              <a:t>フロントエンド完成時間</a:t>
+            </a:r>
+          </a:p>
+        </p:txBody>
+      </p:sp>
+      <p:sp>
+        <p:nvSpPr>
+          <p:cNvPr id="3" name="内容占位符 2">
+            <a:extLst>
+              <a:ext uri="{FF2B5EF4-FFF2-40B4-BE49-F238E27FC236}">
+                <a16:creationId xmlns:a16="http://schemas.microsoft.com/office/drawing/2014/main" id="{304FA50C-C38F-CC4F-A9C0-4A4B236B7EF8}"/>
+              </a:ext>
+            </a:extLst>
+          </p:cNvPr>
+          <p:cNvSpPr>
+            <a:spLocks noGrp="1"/>
+          </p:cNvSpPr>
+          <p:nvPr>
+            <p:ph sz="quarter" idx="13"/>
+          </p:nvPr>
+        </p:nvSpPr>
+        <p:spPr/>
+        <p:txBody>
+          <a:bodyPr/>
+          <a:lstStyle/>
+          <a:p>
+            <a:r>
+              <a:rPr kumimoji="1" lang="zh-CN" altLang="en-US" dirty="0"/>
+              <a:t>今の考えは</a:t>
+            </a:r>
+            <a:r>
+              <a:rPr kumimoji="1" lang="en-US" altLang="zh-CN" dirty="0"/>
+              <a:t>1</a:t>
+            </a:r>
+            <a:r>
+              <a:rPr kumimoji="1" lang="zh-CN" altLang="en-US" dirty="0"/>
+              <a:t>月、また</a:t>
+            </a:r>
+            <a:r>
+              <a:rPr kumimoji="1" lang="en-US" altLang="zh-CN" dirty="0"/>
+              <a:t>1</a:t>
+            </a:r>
+            <a:r>
+              <a:rPr kumimoji="1" lang="zh-CN" altLang="en-US" dirty="0"/>
+              <a:t>ヶ月半ぐらい。</a:t>
+            </a:r>
+            <a:endParaRPr kumimoji="1" lang="en-US" altLang="zh-CN" dirty="0"/>
+          </a:p>
+          <a:p>
+            <a:r>
+              <a:rPr kumimoji="1" lang="zh-CN" altLang="en-US" dirty="0"/>
+              <a:t>ページ数（メインページ、后台バックグラウンド管理画面、登録画面、ショッピングカート界面、ペット紹介画面</a:t>
+            </a:r>
+            <a:r>
+              <a:rPr kumimoji="1" lang="en-US" altLang="zh-CN" dirty="0"/>
+              <a:t>……</a:t>
+            </a:r>
+            <a:r>
+              <a:rPr kumimoji="1" lang="zh-CN" altLang="en-US" dirty="0"/>
+              <a:t>）</a:t>
+            </a:r>
+            <a:endParaRPr kumimoji="1" lang="en-US" altLang="zh-CN" dirty="0"/>
+          </a:p>
+          <a:p>
+            <a:r>
+              <a:rPr kumimoji="1" lang="zh-CN" altLang="en-US" dirty="0"/>
+              <a:t>各ページの機能を各自で考えてください</a:t>
+            </a:r>
+            <a:endParaRPr kumimoji="1" lang="en-US" altLang="zh-CN" dirty="0"/>
+          </a:p>
+          <a:p>
+            <a:r>
+              <a:rPr kumimoji="1" lang="zh-CN" altLang="en-US" dirty="0"/>
+              <a:t>データベースの方は考えなくで良い</a:t>
+            </a:r>
+            <a:endParaRPr kumimoji="1" lang="en-US" altLang="zh-CN" dirty="0"/>
+          </a:p>
+          <a:p>
+            <a:r>
+              <a:rPr kumimoji="1" lang="zh-CN" altLang="en-US" dirty="0"/>
+              <a:t>可愛いペットの写真を探して下さい（自分が撮影してもいいしネットで調べてもいい）</a:t>
+            </a:r>
+            <a:endParaRPr kumimoji="1" lang="en-US" altLang="zh-CN" dirty="0"/>
+          </a:p>
+          <a:p>
+            <a:r>
+              <a:rPr kumimoji="1" lang="zh-CN" altLang="en-US" dirty="0"/>
+              <a:t>ピクセルが高いほど良い</a:t>
+            </a:r>
+            <a:endParaRPr kumimoji="1" lang="en-US" altLang="zh-CN" dirty="0"/>
+          </a:p>
+          <a:p>
+            <a:endParaRPr kumimoji="1" lang="zh-CN" altLang="en-US" dirty="0"/>
+          </a:p>
+        </p:txBody>
+      </p:sp>
+    </p:spTree>
+    <p:extLst>
+      <p:ext uri="{BB962C8B-B14F-4D97-AF65-F5344CB8AC3E}">
+        <p14:creationId xmlns:p14="http://schemas.microsoft.com/office/powerpoint/2010/main" val="3787355774"/>
+      </p:ext>
+    </p:extLst>
+  </p:cSld>
+  <p:clrMapOvr>
+    <a:masterClrMapping/>
+  </p:clrMapOvr>
+</p:sld>
+</file>
+
+<file path=ppt/slides/slide12.xml><?xml version="1.0" encoding="utf-8"?>
+<p:sld xmlns:a="http://schemas.openxmlformats.org/drawingml/2006/main" xmlns:r="http://schemas.openxmlformats.org/officeDocument/2006/relationships" xmlns:p="http://schemas.openxmlformats.org/presentationml/2006/main">
+  <p:cSld>
+    <p:spTree>
+      <p:nvGrpSpPr>
+        <p:cNvPr id="1" name=""/>
+        <p:cNvGrpSpPr/>
+        <p:nvPr/>
+      </p:nvGrpSpPr>
+      <p:grpSpPr>
+        <a:xfrm>
+          <a:off x="0" y="0"/>
+          <a:ext cx="0" cy="0"/>
+          <a:chOff x="0" y="0"/>
+          <a:chExt cx="0" cy="0"/>
+        </a:xfrm>
+      </p:grpSpPr>
+      <p:sp>
+        <p:nvSpPr>
+          <p:cNvPr id="2" name="标题 1">
+            <a:extLst>
+              <a:ext uri="{FF2B5EF4-FFF2-40B4-BE49-F238E27FC236}">
+                <a16:creationId xmlns:a16="http://schemas.microsoft.com/office/drawing/2014/main" id="{B945D2DC-26CF-D94A-82D1-B34852E85958}"/>
+              </a:ext>
+            </a:extLst>
+          </p:cNvPr>
+          <p:cNvSpPr>
+            <a:spLocks noGrp="1"/>
+          </p:cNvSpPr>
+          <p:nvPr>
+            <p:ph type="title"/>
+          </p:nvPr>
+        </p:nvSpPr>
+        <p:spPr>
+          <a:xfrm>
+            <a:off x="913774" y="0"/>
+            <a:ext cx="10364451" cy="1596177"/>
+          </a:xfrm>
+        </p:spPr>
+        <p:txBody>
+          <a:bodyPr/>
+          <a:lstStyle/>
+          <a:p>
+            <a:r>
+              <a:rPr kumimoji="1" lang="zh-CN" altLang="en-US" dirty="0"/>
+              <a:t>データベース構造と命名規範</a:t>
+            </a:r>
+          </a:p>
+        </p:txBody>
+      </p:sp>
+      <p:pic>
+        <p:nvPicPr>
+          <p:cNvPr id="7" name="图片 6" descr="图形用户界面, 应用程序&#10;&#10;描述已自动生成">
+            <a:extLst>
+              <a:ext uri="{FF2B5EF4-FFF2-40B4-BE49-F238E27FC236}">
+                <a16:creationId xmlns:a16="http://schemas.microsoft.com/office/drawing/2014/main" id="{7A43AAC8-4723-1D4C-A871-8AADEE1FAD16}"/>
+              </a:ext>
+            </a:extLst>
+          </p:cNvPr>
+          <p:cNvPicPr>
+            <a:picLocks noChangeAspect="1"/>
+          </p:cNvPicPr>
+          <p:nvPr/>
+        </p:nvPicPr>
+        <p:blipFill>
+          <a:blip r:embed="rId2"/>
+          <a:stretch>
+            <a:fillRect/>
+          </a:stretch>
+        </p:blipFill>
+        <p:spPr>
+          <a:xfrm>
+            <a:off x="225035" y="1084939"/>
+            <a:ext cx="5543451" cy="5773061"/>
+          </a:xfrm>
+          <a:prstGeom prst="rect">
+            <a:avLst/>
+          </a:prstGeom>
+        </p:spPr>
+      </p:pic>
+    </p:spTree>
+    <p:extLst>
+      <p:ext uri="{BB962C8B-B14F-4D97-AF65-F5344CB8AC3E}">
+        <p14:creationId xmlns:p14="http://schemas.microsoft.com/office/powerpoint/2010/main" val="1234317705"/>
+      </p:ext>
+    </p:extLst>
+  </p:cSld>
+  <p:clrMapOvr>
+    <a:masterClrMapping/>
+  </p:clrMapOvr>
+</p:sld>
+</file>
+
+<file path=ppt/slides/slide13.xml><?xml version="1.0" encoding="utf-8"?>
+<p:sld xmlns:a="http://schemas.openxmlformats.org/drawingml/2006/main" xmlns:r="http://schemas.openxmlformats.org/officeDocument/2006/relationships" xmlns:p="http://schemas.openxmlformats.org/presentationml/2006/main">
+  <p:cSld>
+    <p:spTree>
+      <p:nvGrpSpPr>
+        <p:cNvPr id="1" name=""/>
+        <p:cNvGrpSpPr/>
+        <p:nvPr/>
+      </p:nvGrpSpPr>
+      <p:grpSpPr>
+        <a:xfrm>
+          <a:off x="0" y="0"/>
+          <a:ext cx="0" cy="0"/>
+          <a:chOff x="0" y="0"/>
+          <a:chExt cx="0" cy="0"/>
+        </a:xfrm>
+      </p:grpSpPr>
+      <p:sp>
+        <p:nvSpPr>
+          <p:cNvPr id="3" name="内容占位符 2">
+            <a:extLst>
+              <a:ext uri="{FF2B5EF4-FFF2-40B4-BE49-F238E27FC236}">
+                <a16:creationId xmlns:a16="http://schemas.microsoft.com/office/drawing/2014/main" id="{956710AC-02AD-A04B-830D-E29172DF657E}"/>
+              </a:ext>
+            </a:extLst>
+          </p:cNvPr>
+          <p:cNvSpPr>
+            <a:spLocks noGrp="1"/>
+          </p:cNvSpPr>
+          <p:nvPr>
+            <p:ph sz="quarter" idx="13"/>
+          </p:nvPr>
+        </p:nvSpPr>
+        <p:spPr>
+          <a:xfrm>
+            <a:off x="1129861" y="193896"/>
+            <a:ext cx="9932278" cy="5619183"/>
+          </a:xfrm>
+        </p:spPr>
+        <p:txBody>
+          <a:bodyPr numCol="2">
+            <a:noAutofit/>
+          </a:bodyPr>
+          <a:lstStyle/>
+          <a:p>
+            <a:r>
+              <a:rPr kumimoji="1" lang="en" altLang="zh-CN" sz="800" dirty="0"/>
+              <a:t>-- customer</a:t>
+            </a:r>
+            <a:r>
+              <a:rPr kumimoji="1" lang="zh-CN" altLang="en-US" sz="800" dirty="0"/>
+              <a:t>表</a:t>
+            </a:r>
+          </a:p>
+          <a:p>
+            <a:r>
+              <a:rPr kumimoji="1" lang="en" altLang="zh-CN" sz="800" dirty="0"/>
+              <a:t>drop database if exists </a:t>
+            </a:r>
+            <a:r>
+              <a:rPr kumimoji="1" lang="en" altLang="zh-CN" sz="800" dirty="0" err="1"/>
+              <a:t>petweb</a:t>
+            </a:r>
+            <a:r>
+              <a:rPr kumimoji="1" lang="en" altLang="zh-CN" sz="800" dirty="0"/>
+              <a:t>;</a:t>
+            </a:r>
+          </a:p>
+          <a:p>
+            <a:r>
+              <a:rPr kumimoji="1" lang="en" altLang="zh-CN" sz="800" dirty="0"/>
+              <a:t>create database </a:t>
+            </a:r>
+            <a:r>
+              <a:rPr kumimoji="1" lang="en" altLang="zh-CN" sz="800" dirty="0" err="1"/>
+              <a:t>petweb</a:t>
+            </a:r>
+            <a:r>
+              <a:rPr kumimoji="1" lang="en" altLang="zh-CN" sz="800" dirty="0"/>
+              <a:t>;</a:t>
+            </a:r>
+          </a:p>
+          <a:p>
+            <a:r>
+              <a:rPr kumimoji="1" lang="en" altLang="zh-CN" sz="800" dirty="0"/>
+              <a:t>use </a:t>
+            </a:r>
+            <a:r>
+              <a:rPr kumimoji="1" lang="en" altLang="zh-CN" sz="800" dirty="0" err="1"/>
+              <a:t>petweb</a:t>
+            </a:r>
+            <a:r>
+              <a:rPr kumimoji="1" lang="en" altLang="zh-CN" sz="800" dirty="0"/>
+              <a:t>;</a:t>
+            </a:r>
+          </a:p>
+          <a:p>
+            <a:r>
+              <a:rPr kumimoji="1" lang="en" altLang="zh-CN" sz="800" dirty="0"/>
+              <a:t>create table customer(</a:t>
+            </a:r>
+          </a:p>
+          <a:p>
+            <a:r>
+              <a:rPr kumimoji="1" lang="en" altLang="zh-CN" sz="800" dirty="0"/>
+              <a:t>	</a:t>
+            </a:r>
+            <a:r>
+              <a:rPr kumimoji="1" lang="en" altLang="zh-CN" sz="800" dirty="0" err="1"/>
+              <a:t>custid</a:t>
+            </a:r>
+            <a:r>
+              <a:rPr kumimoji="1" lang="en" altLang="zh-CN" sz="800" dirty="0"/>
+              <a:t> int primary key </a:t>
+            </a:r>
+            <a:r>
+              <a:rPr kumimoji="1" lang="en" altLang="zh-CN" sz="800" dirty="0" err="1"/>
+              <a:t>auto_increment</a:t>
+            </a:r>
+            <a:r>
+              <a:rPr kumimoji="1" lang="en" altLang="zh-CN" sz="800" dirty="0"/>
+              <a:t>,</a:t>
+            </a:r>
+          </a:p>
+          <a:p>
+            <a:r>
+              <a:rPr kumimoji="1" lang="en" altLang="zh-CN" sz="800" dirty="0"/>
+              <a:t>	</a:t>
+            </a:r>
+            <a:r>
+              <a:rPr kumimoji="1" lang="en" altLang="zh-CN" sz="800" dirty="0" err="1"/>
+              <a:t>custname</a:t>
+            </a:r>
+            <a:r>
+              <a:rPr kumimoji="1" lang="en" altLang="zh-CN" sz="800" dirty="0"/>
+              <a:t> varchar(20) not null unique,</a:t>
+            </a:r>
+          </a:p>
+          <a:p>
+            <a:r>
+              <a:rPr kumimoji="1" lang="en" altLang="zh-CN" sz="800" dirty="0"/>
+              <a:t>	</a:t>
+            </a:r>
+            <a:r>
+              <a:rPr kumimoji="1" lang="en" altLang="zh-CN" sz="800" dirty="0" err="1"/>
+              <a:t>custpassword</a:t>
+            </a:r>
+            <a:r>
+              <a:rPr kumimoji="1" lang="en" altLang="zh-CN" sz="800" dirty="0"/>
+              <a:t> varchar(32) not null,</a:t>
+            </a:r>
+          </a:p>
+          <a:p>
+            <a:r>
+              <a:rPr kumimoji="1" lang="en" altLang="zh-CN" sz="800" dirty="0"/>
+              <a:t>	</a:t>
+            </a:r>
+            <a:r>
+              <a:rPr kumimoji="1" lang="en" altLang="zh-CN" sz="800" dirty="0" err="1"/>
+              <a:t>custsex</a:t>
+            </a:r>
+            <a:r>
+              <a:rPr kumimoji="1" lang="en" altLang="zh-CN" sz="800" dirty="0"/>
+              <a:t> TINYINT(1),</a:t>
+            </a:r>
+          </a:p>
+          <a:p>
+            <a:r>
+              <a:rPr kumimoji="1" lang="en" altLang="zh-CN" sz="800" dirty="0"/>
+              <a:t>	</a:t>
+            </a:r>
+            <a:r>
+              <a:rPr kumimoji="1" lang="en" altLang="zh-CN" sz="800" dirty="0" err="1"/>
+              <a:t>custemail</a:t>
+            </a:r>
+            <a:r>
+              <a:rPr kumimoji="1" lang="en" altLang="zh-CN" sz="800" dirty="0"/>
+              <a:t> varchar(200),</a:t>
+            </a:r>
+          </a:p>
+          <a:p>
+            <a:r>
+              <a:rPr kumimoji="1" lang="en" altLang="zh-CN" sz="800" dirty="0"/>
+              <a:t>	</a:t>
+            </a:r>
+            <a:r>
+              <a:rPr kumimoji="1" lang="en" altLang="zh-CN" sz="800" dirty="0" err="1"/>
+              <a:t>custaddress</a:t>
+            </a:r>
+            <a:r>
+              <a:rPr kumimoji="1" lang="en" altLang="zh-CN" sz="800" dirty="0"/>
+              <a:t> VARCHAR(300)</a:t>
+            </a:r>
+          </a:p>
+          <a:p>
+            <a:r>
+              <a:rPr kumimoji="1" lang="en" altLang="zh-CN" sz="800" dirty="0"/>
+              <a:t>);</a:t>
+            </a:r>
+          </a:p>
+          <a:p>
+            <a:r>
+              <a:rPr kumimoji="1" lang="en" altLang="zh-CN" sz="800" dirty="0"/>
+              <a:t>insert into customer(</a:t>
+            </a:r>
+            <a:r>
+              <a:rPr kumimoji="1" lang="en" altLang="zh-CN" sz="800" dirty="0" err="1"/>
+              <a:t>custname,custpassword,custsex,custemail,custaddress</a:t>
+            </a:r>
+            <a:r>
+              <a:rPr kumimoji="1" lang="en" altLang="zh-CN" sz="800" dirty="0"/>
+              <a:t>) values('admin','admin',0,'admin@jh.com','</a:t>
+            </a:r>
+            <a:r>
+              <a:rPr kumimoji="1" lang="zh-CN" altLang="en-US" sz="800" dirty="0"/>
+              <a:t>品川区南大井</a:t>
+            </a:r>
+            <a:r>
+              <a:rPr kumimoji="1" lang="en-US" altLang="zh-CN" sz="800" dirty="0"/>
+              <a:t>1-1-1');</a:t>
+            </a:r>
+          </a:p>
+          <a:p>
+            <a:r>
+              <a:rPr kumimoji="1" lang="en" altLang="zh-CN" sz="800" dirty="0"/>
+              <a:t>select * from customer;</a:t>
+            </a:r>
+          </a:p>
+          <a:p>
+            <a:endParaRPr kumimoji="1" lang="en" altLang="zh-CN" sz="800" dirty="0"/>
+          </a:p>
+          <a:p>
+            <a:r>
+              <a:rPr kumimoji="1" lang="en" altLang="zh-CN" sz="800" dirty="0"/>
+              <a:t>-- company</a:t>
+            </a:r>
+            <a:r>
+              <a:rPr kumimoji="1" lang="zh-CN" altLang="en-US" sz="800" dirty="0"/>
+              <a:t>表</a:t>
+            </a:r>
+          </a:p>
+          <a:p>
+            <a:r>
+              <a:rPr kumimoji="1" lang="en" altLang="zh-CN" sz="800" dirty="0"/>
+              <a:t>DROP TABLE IF EXISTS company;</a:t>
+            </a:r>
+          </a:p>
+          <a:p>
+            <a:r>
+              <a:rPr kumimoji="1" lang="en" altLang="zh-CN" sz="800" dirty="0"/>
+              <a:t>CREATE TABLE company (</a:t>
+            </a:r>
+          </a:p>
+          <a:p>
+            <a:r>
+              <a:rPr kumimoji="1" lang="en" altLang="zh-CN" sz="800" dirty="0"/>
+              <a:t>	</a:t>
+            </a:r>
+            <a:r>
+              <a:rPr kumimoji="1" lang="en" altLang="zh-CN" sz="800" dirty="0" err="1"/>
+              <a:t>compid</a:t>
+            </a:r>
+            <a:r>
+              <a:rPr kumimoji="1" lang="en" altLang="zh-CN" sz="800" dirty="0"/>
+              <a:t> INT PRIMARY KEY </a:t>
+            </a:r>
+            <a:r>
+              <a:rPr kumimoji="1" lang="en" altLang="zh-CN" sz="800" dirty="0" err="1"/>
+              <a:t>auto_increment</a:t>
+            </a:r>
+            <a:r>
+              <a:rPr kumimoji="1" lang="en" altLang="zh-CN" sz="800" dirty="0"/>
+              <a:t>,</a:t>
+            </a:r>
+          </a:p>
+          <a:p>
+            <a:r>
+              <a:rPr kumimoji="1" lang="en" altLang="zh-CN" sz="800" dirty="0"/>
+              <a:t>	</a:t>
+            </a:r>
+            <a:r>
+              <a:rPr kumimoji="1" lang="en" altLang="zh-CN" sz="800" dirty="0" err="1"/>
+              <a:t>compusername</a:t>
+            </a:r>
+            <a:r>
+              <a:rPr kumimoji="1" lang="en" altLang="zh-CN" sz="800" dirty="0"/>
+              <a:t> VARCHAR ( 20 ) NOT NULL UNIQUE,</a:t>
+            </a:r>
+          </a:p>
+          <a:p>
+            <a:r>
+              <a:rPr kumimoji="1" lang="en" altLang="zh-CN" sz="800" dirty="0"/>
+              <a:t>	</a:t>
+            </a:r>
+            <a:r>
+              <a:rPr kumimoji="1" lang="en" altLang="zh-CN" sz="800" dirty="0" err="1"/>
+              <a:t>comppassword</a:t>
+            </a:r>
+            <a:r>
+              <a:rPr kumimoji="1" lang="en" altLang="zh-CN" sz="800" dirty="0"/>
+              <a:t> VARCHAR ( 32 ) NOT NULL,</a:t>
+            </a:r>
+          </a:p>
+          <a:p>
+            <a:r>
+              <a:rPr kumimoji="1" lang="en" altLang="zh-CN" sz="800" dirty="0"/>
+              <a:t>	</a:t>
+            </a:r>
+            <a:r>
+              <a:rPr kumimoji="1" lang="en" altLang="zh-CN" sz="800" dirty="0" err="1"/>
+              <a:t>compname</a:t>
+            </a:r>
+            <a:r>
+              <a:rPr kumimoji="1" lang="en" altLang="zh-CN" sz="800" dirty="0"/>
+              <a:t> VARCHAR ( 32 ) NOT NULL,</a:t>
+            </a:r>
+          </a:p>
+          <a:p>
+            <a:r>
+              <a:rPr kumimoji="1" lang="en" altLang="zh-CN" sz="800" dirty="0"/>
+              <a:t>	</a:t>
+            </a:r>
+            <a:r>
+              <a:rPr kumimoji="1" lang="en" altLang="zh-CN" sz="800" dirty="0" err="1"/>
+              <a:t>compemail</a:t>
+            </a:r>
+            <a:r>
+              <a:rPr kumimoji="1" lang="en" altLang="zh-CN" sz="800" dirty="0"/>
+              <a:t> VARCHAR ( 200 ),</a:t>
+            </a:r>
+          </a:p>
+          <a:p>
+            <a:r>
+              <a:rPr kumimoji="1" lang="en" altLang="zh-CN" sz="800" dirty="0"/>
+              <a:t>	</a:t>
+            </a:r>
+            <a:r>
+              <a:rPr kumimoji="1" lang="en" altLang="zh-CN" sz="800" dirty="0" err="1"/>
+              <a:t>legalname</a:t>
+            </a:r>
+            <a:r>
+              <a:rPr kumimoji="1" lang="en" altLang="zh-CN" sz="800" dirty="0"/>
+              <a:t> VARCHAR ( 200 ) ,</a:t>
+            </a:r>
+          </a:p>
+          <a:p>
+            <a:r>
+              <a:rPr kumimoji="1" lang="en" altLang="zh-CN" sz="800" dirty="0"/>
+              <a:t>	</a:t>
+            </a:r>
+            <a:r>
+              <a:rPr kumimoji="1" lang="en" altLang="zh-CN" sz="800" dirty="0" err="1"/>
+              <a:t>compaddress</a:t>
+            </a:r>
+            <a:r>
+              <a:rPr kumimoji="1" lang="en" altLang="zh-CN" sz="800" dirty="0"/>
+              <a:t> VARCHAR(255)</a:t>
+            </a:r>
+          </a:p>
+          <a:p>
+            <a:r>
+              <a:rPr kumimoji="1" lang="en" altLang="zh-CN" sz="800" dirty="0"/>
+              <a:t>);</a:t>
+            </a:r>
+          </a:p>
+          <a:p>
+            <a:r>
+              <a:rPr kumimoji="1" lang="en" altLang="zh-CN" sz="800" dirty="0"/>
+              <a:t>INSERT INTO company ( </a:t>
+            </a:r>
+            <a:r>
+              <a:rPr kumimoji="1" lang="en" altLang="zh-CN" sz="800" dirty="0" err="1"/>
+              <a:t>compusername</a:t>
+            </a:r>
+            <a:r>
+              <a:rPr kumimoji="1" lang="en" altLang="zh-CN" sz="800" dirty="0"/>
+              <a:t>, </a:t>
+            </a:r>
+            <a:r>
+              <a:rPr kumimoji="1" lang="en" altLang="zh-CN" sz="800" dirty="0" err="1"/>
+              <a:t>comppassword</a:t>
+            </a:r>
+            <a:r>
+              <a:rPr kumimoji="1" lang="en" altLang="zh-CN" sz="800" dirty="0"/>
+              <a:t>, </a:t>
+            </a:r>
+            <a:r>
+              <a:rPr kumimoji="1" lang="en" altLang="zh-CN" sz="800" dirty="0" err="1"/>
+              <a:t>compname</a:t>
+            </a:r>
+            <a:r>
+              <a:rPr kumimoji="1" lang="en" altLang="zh-CN" sz="800" dirty="0"/>
+              <a:t>, </a:t>
+            </a:r>
+            <a:r>
+              <a:rPr kumimoji="1" lang="en" altLang="zh-CN" sz="800" dirty="0" err="1"/>
+              <a:t>compemail</a:t>
+            </a:r>
+            <a:r>
+              <a:rPr kumimoji="1" lang="en" altLang="zh-CN" sz="800" dirty="0"/>
+              <a:t>, </a:t>
+            </a:r>
+            <a:r>
+              <a:rPr kumimoji="1" lang="en" altLang="zh-CN" sz="800" dirty="0" err="1"/>
+              <a:t>legalname</a:t>
+            </a:r>
+            <a:r>
+              <a:rPr kumimoji="1" lang="en" altLang="zh-CN" sz="800" dirty="0"/>
+              <a:t> ,</a:t>
+            </a:r>
+            <a:r>
+              <a:rPr kumimoji="1" lang="en" altLang="zh-CN" sz="800" dirty="0" err="1"/>
+              <a:t>compaddress</a:t>
+            </a:r>
+            <a:r>
+              <a:rPr kumimoji="1" lang="en" altLang="zh-CN" sz="800" dirty="0"/>
+              <a:t>)</a:t>
+            </a:r>
+          </a:p>
+          <a:p>
+            <a:r>
+              <a:rPr kumimoji="1" lang="en" altLang="zh-CN" sz="800" dirty="0"/>
+              <a:t>VALUES</a:t>
+            </a:r>
+          </a:p>
+          <a:p>
+            <a:r>
+              <a:rPr kumimoji="1" lang="en" altLang="zh-CN" sz="800" dirty="0"/>
+              <a:t>	( 'admin', 'admin', '</a:t>
+            </a:r>
+            <a:r>
+              <a:rPr kumimoji="1" lang="zh-CN" altLang="en-US" sz="800" dirty="0"/>
+              <a:t>日本工学院株式会社</a:t>
+            </a:r>
+            <a:r>
+              <a:rPr kumimoji="1" lang="en-US" altLang="zh-CN" sz="800" dirty="0"/>
+              <a:t>', '</a:t>
+            </a:r>
+            <a:r>
+              <a:rPr kumimoji="1" lang="en" altLang="zh-CN" sz="800" dirty="0" err="1"/>
+              <a:t>admin@gmail.com</a:t>
+            </a:r>
+            <a:r>
+              <a:rPr kumimoji="1" lang="en" altLang="zh-CN" sz="800" dirty="0"/>
+              <a:t>', '</a:t>
+            </a:r>
+            <a:r>
+              <a:rPr kumimoji="1" lang="zh-CN" altLang="en-US" sz="800" dirty="0"/>
+              <a:t>大田太郎</a:t>
+            </a:r>
+            <a:r>
+              <a:rPr kumimoji="1" lang="en-US" altLang="zh-CN" sz="800" dirty="0"/>
+              <a:t>','</a:t>
+            </a:r>
+            <a:r>
+              <a:rPr kumimoji="1" lang="zh-CN" altLang="en-US" sz="800" dirty="0"/>
+              <a:t>太田区</a:t>
+            </a:r>
+            <a:r>
+              <a:rPr kumimoji="1" lang="en-US" altLang="zh-CN" sz="800" dirty="0"/>
+              <a:t>1-1-1' );</a:t>
+            </a:r>
+          </a:p>
+          <a:p>
+            <a:r>
+              <a:rPr kumimoji="1" lang="en" altLang="zh-CN" sz="800" dirty="0"/>
+              <a:t>SELECT * FROM company;</a:t>
+            </a:r>
+          </a:p>
+          <a:p>
+            <a:endParaRPr kumimoji="1" lang="en" altLang="zh-CN" sz="800" dirty="0"/>
+          </a:p>
+          <a:p>
+            <a:r>
+              <a:rPr kumimoji="1" lang="en" altLang="zh-CN" sz="800" dirty="0"/>
+              <a:t>-- pets</a:t>
+            </a:r>
+            <a:r>
+              <a:rPr kumimoji="1" lang="zh-CN" altLang="en-US" sz="800" dirty="0"/>
+              <a:t>表</a:t>
+            </a:r>
+          </a:p>
+          <a:p>
+            <a:r>
+              <a:rPr kumimoji="1" lang="en" altLang="zh-CN" sz="800" dirty="0"/>
+              <a:t>DROP TABLE IF EXISTS pets;</a:t>
+            </a:r>
+          </a:p>
+          <a:p>
+            <a:r>
+              <a:rPr kumimoji="1" lang="en" altLang="zh-CN" sz="800" dirty="0"/>
+              <a:t>CREATE TABLE pets (</a:t>
+            </a:r>
+          </a:p>
+          <a:p>
+            <a:r>
+              <a:rPr kumimoji="1" lang="en" altLang="zh-CN" sz="800" dirty="0"/>
+              <a:t>	id INT PRIMARY KEY </a:t>
+            </a:r>
+            <a:r>
+              <a:rPr kumimoji="1" lang="en" altLang="zh-CN" sz="800" dirty="0" err="1"/>
+              <a:t>auto_increment</a:t>
+            </a:r>
+            <a:r>
+              <a:rPr kumimoji="1" lang="en" altLang="zh-CN" sz="800" dirty="0"/>
+              <a:t>,</a:t>
+            </a:r>
+          </a:p>
+          <a:p>
+            <a:r>
+              <a:rPr kumimoji="1" lang="en" altLang="zh-CN" sz="800" dirty="0"/>
+              <a:t>	</a:t>
+            </a:r>
+            <a:r>
+              <a:rPr kumimoji="1" lang="en" altLang="zh-CN" sz="800" dirty="0" err="1"/>
+              <a:t>petsname</a:t>
+            </a:r>
+            <a:r>
+              <a:rPr kumimoji="1" lang="en" altLang="zh-CN" sz="800" dirty="0"/>
+              <a:t> VARCHAR ( 20 ) NOT NULL UNIQUE,</a:t>
+            </a:r>
+          </a:p>
+          <a:p>
+            <a:r>
+              <a:rPr kumimoji="1" lang="en" altLang="zh-CN" sz="800" dirty="0"/>
+              <a:t>	species VARCHAR(40) NOT NULL,</a:t>
+            </a:r>
+          </a:p>
+          <a:p>
+            <a:r>
+              <a:rPr kumimoji="1" lang="en" altLang="zh-CN" sz="800" dirty="0"/>
+              <a:t>	amount INTEGER (3) NOT NULL,</a:t>
+            </a:r>
+          </a:p>
+          <a:p>
+            <a:r>
+              <a:rPr kumimoji="1" lang="en" altLang="zh-CN" sz="800" dirty="0"/>
+              <a:t>	instruction VARCHAR(255)</a:t>
+            </a:r>
+          </a:p>
+          <a:p>
+            <a:r>
+              <a:rPr kumimoji="1" lang="en" altLang="zh-CN" sz="800" dirty="0"/>
+              <a:t>-- 	</a:t>
+            </a:r>
+            <a:r>
+              <a:rPr kumimoji="1" lang="zh-CN" altLang="en-US" sz="800" dirty="0"/>
+              <a:t>差一个</a:t>
+            </a:r>
+            <a:r>
+              <a:rPr kumimoji="1" lang="en" altLang="zh-CN" sz="800" dirty="0" err="1"/>
+              <a:t>bolb</a:t>
+            </a:r>
+            <a:r>
+              <a:rPr kumimoji="1" lang="zh-CN" altLang="en-US" sz="800" dirty="0"/>
+              <a:t>类型的图片（手动添加）</a:t>
+            </a:r>
+          </a:p>
+          <a:p>
+            <a:r>
+              <a:rPr kumimoji="1" lang="en-US" altLang="zh-CN" sz="800" dirty="0"/>
+              <a:t>);</a:t>
+            </a:r>
+          </a:p>
+          <a:p>
+            <a:endParaRPr kumimoji="1" lang="en-US" altLang="zh-CN" sz="800" dirty="0"/>
+          </a:p>
+          <a:p>
+            <a:r>
+              <a:rPr kumimoji="1" lang="en" altLang="zh-CN" sz="800" dirty="0"/>
+              <a:t>INSERT INTO pets (</a:t>
+            </a:r>
+            <a:r>
+              <a:rPr kumimoji="1" lang="en" altLang="zh-CN" sz="800" dirty="0" err="1"/>
+              <a:t>petsname,species,amount,instruction</a:t>
+            </a:r>
+            <a:r>
+              <a:rPr kumimoji="1" lang="en" altLang="zh-CN" sz="800" dirty="0"/>
+              <a:t>)</a:t>
+            </a:r>
+          </a:p>
+          <a:p>
+            <a:r>
+              <a:rPr kumimoji="1" lang="en" altLang="zh-CN" sz="800" dirty="0"/>
+              <a:t>VALUES</a:t>
+            </a:r>
+          </a:p>
+          <a:p>
+            <a:r>
+              <a:rPr kumimoji="1" lang="en" altLang="zh-CN" sz="800" dirty="0"/>
+              <a:t>	('</a:t>
+            </a:r>
+            <a:r>
+              <a:rPr kumimoji="1" lang="ja-JP" altLang="en-US" sz="800"/>
+              <a:t>ももちゃん</a:t>
+            </a:r>
+            <a:r>
+              <a:rPr kumimoji="1" lang="en-US" altLang="ja-JP" sz="800" dirty="0"/>
+              <a:t>','</a:t>
+            </a:r>
+            <a:r>
+              <a:rPr kumimoji="1" lang="en" altLang="zh-CN" sz="800" dirty="0"/>
+              <a:t>cat',10,'</a:t>
+            </a:r>
+            <a:r>
+              <a:rPr kumimoji="1" lang="zh-CN" altLang="en-US" sz="800" dirty="0"/>
+              <a:t>可愛</a:t>
+            </a:r>
+            <a:r>
+              <a:rPr kumimoji="1" lang="ja-JP" altLang="en-US" sz="800"/>
+              <a:t>いももちゃんだよ、</a:t>
+            </a:r>
+            <a:r>
+              <a:rPr kumimoji="1" lang="zh-CN" altLang="en-US" sz="800" dirty="0"/>
+              <a:t>今後</a:t>
+            </a:r>
+            <a:r>
+              <a:rPr kumimoji="1" lang="ja-JP" altLang="en-US" sz="800"/>
+              <a:t>の</a:t>
+            </a:r>
+            <a:r>
+              <a:rPr kumimoji="1" lang="zh-CN" altLang="en-US" sz="800" dirty="0"/>
+              <a:t>人生</a:t>
+            </a:r>
+            <a:r>
+              <a:rPr kumimoji="1" lang="ja-JP" altLang="en-US" sz="800"/>
+              <a:t>は</a:t>
+            </a:r>
+            <a:r>
+              <a:rPr kumimoji="1" lang="zh-CN" altLang="en-US" sz="800" dirty="0"/>
+              <a:t>一緒</a:t>
+            </a:r>
+            <a:r>
+              <a:rPr kumimoji="1" lang="ja-JP" altLang="en-US" sz="800"/>
+              <a:t>に</a:t>
+            </a:r>
+            <a:r>
+              <a:rPr kumimoji="1" lang="zh-CN" altLang="en-US" sz="800" dirty="0"/>
+              <a:t>過</a:t>
+            </a:r>
+            <a:r>
+              <a:rPr kumimoji="1" lang="ja-JP" altLang="en-US" sz="800"/>
+              <a:t>ごしましょう！</a:t>
+            </a:r>
+            <a:r>
+              <a:rPr kumimoji="1" lang="en-US" altLang="ja-JP" sz="800" dirty="0"/>
+              <a:t>');</a:t>
+            </a:r>
+          </a:p>
+          <a:p>
+            <a:r>
+              <a:rPr kumimoji="1" lang="en" altLang="zh-CN" sz="800" dirty="0"/>
+              <a:t>SELECT * FROM pets;</a:t>
+            </a:r>
+            <a:endParaRPr kumimoji="1" lang="zh-CN" altLang="en-US" sz="800" dirty="0"/>
+          </a:p>
+        </p:txBody>
+      </p:sp>
+    </p:spTree>
+    <p:extLst>
+      <p:ext uri="{BB962C8B-B14F-4D97-AF65-F5344CB8AC3E}">
+        <p14:creationId xmlns:p14="http://schemas.microsoft.com/office/powerpoint/2010/main" val="3696797179"/>
+      </p:ext>
+    </p:extLst>
+  </p:cSld>
+  <p:clrMapOvr>
+    <a:masterClrMapping/>
+  </p:clrMapOvr>
+</p:sld>
+</file>
+
+<file path=ppt/slides/slide14.xml><?xml version="1.0" encoding="utf-8"?>
+<p:sld xmlns:a="http://schemas.openxmlformats.org/drawingml/2006/main" xmlns:r="http://schemas.openxmlformats.org/officeDocument/2006/relationships" xmlns:p="http://schemas.openxmlformats.org/presentationml/2006/main">
+  <p:cSld>
+    <p:spTree>
+      <p:nvGrpSpPr>
+        <p:cNvPr id="1" name=""/>
+        <p:cNvGrpSpPr/>
+        <p:nvPr/>
+      </p:nvGrpSpPr>
+      <p:grpSpPr>
+        <a:xfrm>
+          <a:off x="0" y="0"/>
+          <a:ext cx="0" cy="0"/>
+          <a:chOff x="0" y="0"/>
+          <a:chExt cx="0" cy="0"/>
+        </a:xfrm>
+      </p:grpSpPr>
+      <p:sp>
+        <p:nvSpPr>
+          <p:cNvPr id="2" name="标题 1">
+            <a:extLst>
+              <a:ext uri="{FF2B5EF4-FFF2-40B4-BE49-F238E27FC236}">
                 <a16:creationId xmlns:a16="http://schemas.microsoft.com/office/drawing/2014/main" id="{0159E277-780D-BB4D-AFD8-B0CD0C5A2310}"/>
               </a:ext>
             </a:extLst>
@@ -7060,7 +7422,7 @@
 </p:sld>
 </file>
 
-<file path=ppt/slides/slide12.xml><?xml version="1.0" encoding="utf-8"?>
+<file path=ppt/slides/slide15.xml><?xml version="1.0" encoding="utf-8"?>
 <p:sld xmlns:a="http://schemas.openxmlformats.org/drawingml/2006/main" xmlns:r="http://schemas.openxmlformats.org/officeDocument/2006/relationships" xmlns:p="http://schemas.openxmlformats.org/presentationml/2006/main">
   <p:cSld>
     <p:bg>
@@ -7516,7 +7878,7 @@
             </a:r>
             <a:r>
               <a:rPr kumimoji="1" lang="zh-CN" altLang="en-US" dirty="0"/>
-              <a:t>熟悉也可不安装）绿色版</a:t>
+              <a:t>熟悉也可不安装）</a:t>
             </a:r>
             <a:endParaRPr kumimoji="1" lang="en-US" altLang="zh-CN" dirty="0"/>
           </a:p>
@@ -7547,7 +7909,7 @@
             </a:r>
             <a:r>
               <a:rPr kumimoji="1" lang="zh-CN" altLang="en-US" dirty="0"/>
-              <a:t>（命令行熟悉也可不安装，为方便）绿色版</a:t>
+              <a:t>（命令行熟悉也可不安装，为方便）</a:t>
             </a:r>
             <a:endParaRPr kumimoji="1" lang="en-US" altLang="zh-CN" dirty="0"/>
           </a:p>
@@ -7672,11 +8034,11 @@
               <a:buChar char="•"/>
             </a:pPr>
             <a:r>
-              <a:rPr kumimoji="1" lang="en-US" altLang="zh-CN" dirty="0"/>
-              <a:t>JDK 14</a:t>
-            </a:r>
-            <a:r>
-              <a:rPr kumimoji="1" lang="zh-CN" altLang="en-US" dirty="0"/>
+              <a:rPr kumimoji="1" lang="en-US" altLang="zh-CN"/>
+              <a:t>JDK 11</a:t>
+            </a:r>
+            <a:r>
+              <a:rPr kumimoji="1" lang="zh-CN" altLang="en-US"/>
               <a:t>或</a:t>
             </a:r>
             <a:r>
@@ -8430,6 +8792,871 @@
           <a:chExt cx="0" cy="0"/>
         </a:xfrm>
       </p:grpSpPr>
+      <p:pic>
+        <p:nvPicPr>
+          <p:cNvPr id="5" name="内容占位符 4" descr="图示&#10;&#10;描述已自动生成">
+            <a:extLst>
+              <a:ext uri="{FF2B5EF4-FFF2-40B4-BE49-F238E27FC236}">
+                <a16:creationId xmlns:a16="http://schemas.microsoft.com/office/drawing/2014/main" id="{8097C317-0061-7C4F-B824-B7FD639720C8}"/>
+              </a:ext>
+            </a:extLst>
+          </p:cNvPr>
+          <p:cNvPicPr>
+            <a:picLocks noGrp="1" noChangeAspect="1"/>
+          </p:cNvPicPr>
+          <p:nvPr>
+            <p:ph sz="quarter" idx="13"/>
+          </p:nvPr>
+        </p:nvPicPr>
+        <p:blipFill>
+          <a:blip r:embed="rId2"/>
+          <a:stretch>
+            <a:fillRect/>
+          </a:stretch>
+        </p:blipFill>
+        <p:spPr>
+          <a:xfrm>
+            <a:off x="587746" y="790183"/>
+            <a:ext cx="11016507" cy="5277634"/>
+          </a:xfrm>
+        </p:spPr>
+      </p:pic>
+    </p:spTree>
+    <p:extLst>
+      <p:ext uri="{BB962C8B-B14F-4D97-AF65-F5344CB8AC3E}">
+        <p14:creationId xmlns:p14="http://schemas.microsoft.com/office/powerpoint/2010/main" val="3536353567"/>
+      </p:ext>
+    </p:extLst>
+  </p:cSld>
+  <p:clrMapOvr>
+    <a:masterClrMapping/>
+  </p:clrMapOvr>
+</p:sld>
+</file>
+
+<file path=ppt/slides/slide6.xml><?xml version="1.0" encoding="utf-8"?>
+<p:sld xmlns:a="http://schemas.openxmlformats.org/drawingml/2006/main" xmlns:r="http://schemas.openxmlformats.org/officeDocument/2006/relationships" xmlns:p="http://schemas.openxmlformats.org/presentationml/2006/main">
+  <p:cSld>
+    <p:spTree>
+      <p:nvGrpSpPr>
+        <p:cNvPr id="1" name=""/>
+        <p:cNvGrpSpPr/>
+        <p:nvPr/>
+      </p:nvGrpSpPr>
+      <p:grpSpPr>
+        <a:xfrm>
+          <a:off x="0" y="0"/>
+          <a:ext cx="0" cy="0"/>
+          <a:chOff x="0" y="0"/>
+          <a:chExt cx="0" cy="0"/>
+        </a:xfrm>
+      </p:grpSpPr>
+      <p:sp>
+        <p:nvSpPr>
+          <p:cNvPr id="8" name="圆柱体 7">
+            <a:extLst>
+              <a:ext uri="{FF2B5EF4-FFF2-40B4-BE49-F238E27FC236}">
+                <a16:creationId xmlns:a16="http://schemas.microsoft.com/office/drawing/2014/main" id="{58404D51-D81A-CA44-8B58-B6D8D43497B9}"/>
+              </a:ext>
+            </a:extLst>
+          </p:cNvPr>
+          <p:cNvSpPr/>
+          <p:nvPr/>
+        </p:nvSpPr>
+        <p:spPr>
+          <a:xfrm>
+            <a:off x="7630005" y="4064821"/>
+            <a:ext cx="2860447" cy="1804123"/>
+          </a:xfrm>
+          <a:prstGeom prst="can">
+            <a:avLst/>
+          </a:prstGeom>
+        </p:spPr>
+        <p:style>
+          <a:lnRef idx="2">
+            <a:schemeClr val="accent1">
+              <a:shade val="50000"/>
+            </a:schemeClr>
+          </a:lnRef>
+          <a:fillRef idx="1">
+            <a:schemeClr val="accent1"/>
+          </a:fillRef>
+          <a:effectRef idx="0">
+            <a:schemeClr val="accent1"/>
+          </a:effectRef>
+          <a:fontRef idx="minor">
+            <a:schemeClr val="lt1"/>
+          </a:fontRef>
+        </p:style>
+        <p:txBody>
+          <a:bodyPr rtlCol="0" anchor="ctr"/>
+          <a:lstStyle/>
+          <a:p>
+            <a:pPr algn="ctr"/>
+            <a:r>
+              <a:rPr kumimoji="1" lang="zh-CN" altLang="en-US" dirty="0"/>
+              <a:t>データベース</a:t>
+            </a:r>
+          </a:p>
+        </p:txBody>
+      </p:sp>
+      <p:sp>
+        <p:nvSpPr>
+          <p:cNvPr id="9" name="矩形 8">
+            <a:extLst>
+              <a:ext uri="{FF2B5EF4-FFF2-40B4-BE49-F238E27FC236}">
+                <a16:creationId xmlns:a16="http://schemas.microsoft.com/office/drawing/2014/main" id="{7AE92971-3F3E-D949-8C9C-FF6334CA4B26}"/>
+              </a:ext>
+            </a:extLst>
+          </p:cNvPr>
+          <p:cNvSpPr/>
+          <p:nvPr/>
+        </p:nvSpPr>
+        <p:spPr>
+          <a:xfrm>
+            <a:off x="1176164" y="1833685"/>
+            <a:ext cx="1344168" cy="1005840"/>
+          </a:xfrm>
+          <a:prstGeom prst="rect">
+            <a:avLst/>
+          </a:prstGeom>
+        </p:spPr>
+        <p:style>
+          <a:lnRef idx="2">
+            <a:schemeClr val="accent1">
+              <a:shade val="50000"/>
+            </a:schemeClr>
+          </a:lnRef>
+          <a:fillRef idx="1">
+            <a:schemeClr val="accent1"/>
+          </a:fillRef>
+          <a:effectRef idx="0">
+            <a:schemeClr val="accent1"/>
+          </a:effectRef>
+          <a:fontRef idx="minor">
+            <a:schemeClr val="lt1"/>
+          </a:fontRef>
+        </p:style>
+        <p:txBody>
+          <a:bodyPr rtlCol="0" anchor="ctr"/>
+          <a:lstStyle/>
+          <a:p>
+            <a:pPr algn="ctr"/>
+            <a:r>
+              <a:rPr kumimoji="1" lang="zh-CN" altLang="en-US" dirty="0"/>
+              <a:t>ブラウザ</a:t>
+            </a:r>
+          </a:p>
+        </p:txBody>
+      </p:sp>
+      <p:sp>
+        <p:nvSpPr>
+          <p:cNvPr id="10" name="矩形 9">
+            <a:extLst>
+              <a:ext uri="{FF2B5EF4-FFF2-40B4-BE49-F238E27FC236}">
+                <a16:creationId xmlns:a16="http://schemas.microsoft.com/office/drawing/2014/main" id="{7555F81C-7E13-D147-92C7-1E238AD8238B}"/>
+              </a:ext>
+            </a:extLst>
+          </p:cNvPr>
+          <p:cNvSpPr/>
+          <p:nvPr/>
+        </p:nvSpPr>
+        <p:spPr>
+          <a:xfrm>
+            <a:off x="4676008" y="1833685"/>
+            <a:ext cx="1582831" cy="1005840"/>
+          </a:xfrm>
+          <a:prstGeom prst="rect">
+            <a:avLst/>
+          </a:prstGeom>
+        </p:spPr>
+        <p:style>
+          <a:lnRef idx="2">
+            <a:schemeClr val="accent1">
+              <a:shade val="50000"/>
+            </a:schemeClr>
+          </a:lnRef>
+          <a:fillRef idx="1">
+            <a:schemeClr val="accent1"/>
+          </a:fillRef>
+          <a:effectRef idx="0">
+            <a:schemeClr val="accent1"/>
+          </a:effectRef>
+          <a:fontRef idx="minor">
+            <a:schemeClr val="lt1"/>
+          </a:fontRef>
+        </p:style>
+        <p:txBody>
+          <a:bodyPr rtlCol="0" anchor="ctr"/>
+          <a:lstStyle/>
+          <a:p>
+            <a:pPr algn="ctr"/>
+            <a:r>
+              <a:rPr lang="ja-JP" altLang="en-US"/>
+              <a:t>サーブレット</a:t>
+            </a:r>
+            <a:endParaRPr kumimoji="1" lang="zh-CN" altLang="en-US" dirty="0"/>
+          </a:p>
+        </p:txBody>
+      </p:sp>
+      <p:sp>
+        <p:nvSpPr>
+          <p:cNvPr id="11" name="矩形 10">
+            <a:extLst>
+              <a:ext uri="{FF2B5EF4-FFF2-40B4-BE49-F238E27FC236}">
+                <a16:creationId xmlns:a16="http://schemas.microsoft.com/office/drawing/2014/main" id="{B5853AA7-0049-B94E-9589-EC34D1057681}"/>
+              </a:ext>
+            </a:extLst>
+          </p:cNvPr>
+          <p:cNvSpPr/>
+          <p:nvPr/>
+        </p:nvSpPr>
+        <p:spPr>
+          <a:xfrm>
+            <a:off x="2850192" y="4463963"/>
+            <a:ext cx="1582831" cy="1005840"/>
+          </a:xfrm>
+          <a:prstGeom prst="rect">
+            <a:avLst/>
+          </a:prstGeom>
+        </p:spPr>
+        <p:style>
+          <a:lnRef idx="2">
+            <a:schemeClr val="accent1">
+              <a:shade val="50000"/>
+            </a:schemeClr>
+          </a:lnRef>
+          <a:fillRef idx="1">
+            <a:schemeClr val="accent1"/>
+          </a:fillRef>
+          <a:effectRef idx="0">
+            <a:schemeClr val="accent1"/>
+          </a:effectRef>
+          <a:fontRef idx="minor">
+            <a:schemeClr val="lt1"/>
+          </a:fontRef>
+        </p:style>
+        <p:txBody>
+          <a:bodyPr rtlCol="0" anchor="ctr"/>
+          <a:lstStyle/>
+          <a:p>
+            <a:pPr algn="ctr"/>
+            <a:r>
+              <a:rPr lang="en-US" altLang="ja-JP" dirty="0"/>
+              <a:t>JSP</a:t>
+            </a:r>
+            <a:r>
+              <a:rPr lang="zh-CN" altLang="en-US" dirty="0"/>
+              <a:t>ページ</a:t>
+            </a:r>
+            <a:endParaRPr kumimoji="1" lang="zh-CN" altLang="en-US" dirty="0"/>
+          </a:p>
+        </p:txBody>
+      </p:sp>
+      <p:sp>
+        <p:nvSpPr>
+          <p:cNvPr id="12" name="矩形 11">
+            <a:extLst>
+              <a:ext uri="{FF2B5EF4-FFF2-40B4-BE49-F238E27FC236}">
+                <a16:creationId xmlns:a16="http://schemas.microsoft.com/office/drawing/2014/main" id="{3F73543C-DF78-B94C-89D4-F108B9E6A0C2}"/>
+              </a:ext>
+            </a:extLst>
+          </p:cNvPr>
+          <p:cNvSpPr/>
+          <p:nvPr/>
+        </p:nvSpPr>
+        <p:spPr>
+          <a:xfrm>
+            <a:off x="8268814" y="1833685"/>
+            <a:ext cx="1582831" cy="1005840"/>
+          </a:xfrm>
+          <a:prstGeom prst="rect">
+            <a:avLst/>
+          </a:prstGeom>
+        </p:spPr>
+        <p:style>
+          <a:lnRef idx="2">
+            <a:schemeClr val="accent1">
+              <a:shade val="50000"/>
+            </a:schemeClr>
+          </a:lnRef>
+          <a:fillRef idx="1">
+            <a:schemeClr val="accent1"/>
+          </a:fillRef>
+          <a:effectRef idx="0">
+            <a:schemeClr val="accent1"/>
+          </a:effectRef>
+          <a:fontRef idx="minor">
+            <a:schemeClr val="lt1"/>
+          </a:fontRef>
+        </p:style>
+        <p:txBody>
+          <a:bodyPr rtlCol="0" anchor="ctr"/>
+          <a:lstStyle/>
+          <a:p>
+            <a:pPr algn="ctr"/>
+            <a:r>
+              <a:rPr lang="en-US" altLang="ja-JP" dirty="0"/>
+              <a:t>JavaBean</a:t>
+            </a:r>
+            <a:r>
+              <a:rPr lang="ja-JP" altLang="en-US"/>
+              <a:t>（）</a:t>
+            </a:r>
+            <a:endParaRPr kumimoji="1" lang="zh-CN" altLang="en-US" dirty="0"/>
+          </a:p>
+        </p:txBody>
+      </p:sp>
+      <p:sp>
+        <p:nvSpPr>
+          <p:cNvPr id="13" name="下箭头 12">
+            <a:extLst>
+              <a:ext uri="{FF2B5EF4-FFF2-40B4-BE49-F238E27FC236}">
+                <a16:creationId xmlns:a16="http://schemas.microsoft.com/office/drawing/2014/main" id="{D92533BD-B355-E24A-8E62-FA6BA999B76A}"/>
+              </a:ext>
+            </a:extLst>
+          </p:cNvPr>
+          <p:cNvSpPr/>
+          <p:nvPr/>
+        </p:nvSpPr>
+        <p:spPr>
+          <a:xfrm>
+            <a:off x="8916086" y="2894389"/>
+            <a:ext cx="288288" cy="1115568"/>
+          </a:xfrm>
+          <a:prstGeom prst="downArrow">
+            <a:avLst/>
+          </a:prstGeom>
+        </p:spPr>
+        <p:style>
+          <a:lnRef idx="2">
+            <a:schemeClr val="accent1">
+              <a:shade val="50000"/>
+            </a:schemeClr>
+          </a:lnRef>
+          <a:fillRef idx="1">
+            <a:schemeClr val="accent1"/>
+          </a:fillRef>
+          <a:effectRef idx="0">
+            <a:schemeClr val="accent1"/>
+          </a:effectRef>
+          <a:fontRef idx="minor">
+            <a:schemeClr val="lt1"/>
+          </a:fontRef>
+        </p:style>
+        <p:txBody>
+          <a:bodyPr rtlCol="0" anchor="ctr"/>
+          <a:lstStyle/>
+          <a:p>
+            <a:pPr algn="ctr"/>
+            <a:endParaRPr kumimoji="1" lang="zh-CN" altLang="en-US"/>
+          </a:p>
+        </p:txBody>
+      </p:sp>
+      <p:sp>
+        <p:nvSpPr>
+          <p:cNvPr id="14" name="文本框 13">
+            <a:extLst>
+              <a:ext uri="{FF2B5EF4-FFF2-40B4-BE49-F238E27FC236}">
+                <a16:creationId xmlns:a16="http://schemas.microsoft.com/office/drawing/2014/main" id="{83A69F40-D0D8-264E-9D42-B1D16AAFC422}"/>
+              </a:ext>
+            </a:extLst>
+          </p:cNvPr>
+          <p:cNvSpPr txBox="1"/>
+          <p:nvPr/>
+        </p:nvSpPr>
+        <p:spPr>
+          <a:xfrm>
+            <a:off x="9405629" y="3267507"/>
+            <a:ext cx="1725152" cy="646331"/>
+          </a:xfrm>
+          <a:prstGeom prst="rect">
+            <a:avLst/>
+          </a:prstGeom>
+          <a:noFill/>
+        </p:spPr>
+        <p:txBody>
+          <a:bodyPr wrap="none" rtlCol="0">
+            <a:spAutoFit/>
+          </a:bodyPr>
+          <a:lstStyle/>
+          <a:p>
+            <a:r>
+              <a:rPr kumimoji="1" lang="zh-CN" altLang="en-US" dirty="0"/>
+              <a:t>データベース</a:t>
+            </a:r>
+          </a:p>
+          <a:p>
+            <a:r>
+              <a:rPr lang="ja-JP" altLang="en-US"/>
+              <a:t>を</a:t>
+            </a:r>
+            <a:r>
+              <a:rPr lang="zh-CN" altLang="en-US" dirty="0"/>
+              <a:t>アクセス</a:t>
+            </a:r>
+            <a:r>
+              <a:rPr lang="ja-JP" altLang="en-US"/>
+              <a:t>する</a:t>
+            </a:r>
+            <a:endParaRPr kumimoji="1" lang="zh-CN" altLang="en-US" dirty="0"/>
+          </a:p>
+        </p:txBody>
+      </p:sp>
+      <p:cxnSp>
+        <p:nvCxnSpPr>
+          <p:cNvPr id="16" name="直线箭头连接符 15">
+            <a:extLst>
+              <a:ext uri="{FF2B5EF4-FFF2-40B4-BE49-F238E27FC236}">
+                <a16:creationId xmlns:a16="http://schemas.microsoft.com/office/drawing/2014/main" id="{723712E9-CBCE-6A4C-83CA-EFEF3D5B38C1}"/>
+              </a:ext>
+            </a:extLst>
+          </p:cNvPr>
+          <p:cNvCxnSpPr>
+            <a:stCxn id="10" idx="3"/>
+            <a:endCxn id="12" idx="1"/>
+          </p:cNvCxnSpPr>
+          <p:nvPr/>
+        </p:nvCxnSpPr>
+        <p:spPr>
+          <a:xfrm>
+            <a:off x="6258839" y="2336605"/>
+            <a:ext cx="2009975" cy="0"/>
+          </a:xfrm>
+          <a:prstGeom prst="straightConnector1">
+            <a:avLst/>
+          </a:prstGeom>
+          <a:ln>
+            <a:headEnd type="triangle"/>
+            <a:tailEnd type="triangle"/>
+          </a:ln>
+        </p:spPr>
+        <p:style>
+          <a:lnRef idx="1">
+            <a:schemeClr val="accent1"/>
+          </a:lnRef>
+          <a:fillRef idx="0">
+            <a:schemeClr val="accent1"/>
+          </a:fillRef>
+          <a:effectRef idx="0">
+            <a:schemeClr val="accent1"/>
+          </a:effectRef>
+          <a:fontRef idx="minor">
+            <a:schemeClr val="tx1"/>
+          </a:fontRef>
+        </p:style>
+      </p:cxnSp>
+      <p:sp>
+        <p:nvSpPr>
+          <p:cNvPr id="17" name="文本框 16">
+            <a:extLst>
+              <a:ext uri="{FF2B5EF4-FFF2-40B4-BE49-F238E27FC236}">
+                <a16:creationId xmlns:a16="http://schemas.microsoft.com/office/drawing/2014/main" id="{9282FFD1-08A1-AF41-8BF8-2E9BD5740F54}"/>
+              </a:ext>
+            </a:extLst>
+          </p:cNvPr>
+          <p:cNvSpPr txBox="1"/>
+          <p:nvPr/>
+        </p:nvSpPr>
+        <p:spPr>
+          <a:xfrm>
+            <a:off x="2758995" y="1838570"/>
+            <a:ext cx="1765227" cy="369332"/>
+          </a:xfrm>
+          <a:prstGeom prst="rect">
+            <a:avLst/>
+          </a:prstGeom>
+          <a:noFill/>
+        </p:spPr>
+        <p:txBody>
+          <a:bodyPr wrap="none" rtlCol="0">
+            <a:spAutoFit/>
+          </a:bodyPr>
+          <a:lstStyle/>
+          <a:p>
+            <a:r>
+              <a:rPr kumimoji="1" lang="ja-JP" altLang="en-US"/>
+              <a:t>リクエストを</a:t>
+            </a:r>
+            <a:r>
+              <a:rPr kumimoji="1" lang="zh-CN" altLang="en-US" dirty="0"/>
+              <a:t>送信</a:t>
+            </a:r>
+          </a:p>
+        </p:txBody>
+      </p:sp>
+      <p:cxnSp>
+        <p:nvCxnSpPr>
+          <p:cNvPr id="22" name="直线箭头连接符 21">
+            <a:extLst>
+              <a:ext uri="{FF2B5EF4-FFF2-40B4-BE49-F238E27FC236}">
+                <a16:creationId xmlns:a16="http://schemas.microsoft.com/office/drawing/2014/main" id="{CE382E46-2699-2446-9B37-275E493E8B80}"/>
+              </a:ext>
+            </a:extLst>
+          </p:cNvPr>
+          <p:cNvCxnSpPr>
+            <a:cxnSpLocks/>
+            <a:stCxn id="9" idx="3"/>
+            <a:endCxn id="10" idx="1"/>
+          </p:cNvCxnSpPr>
+          <p:nvPr/>
+        </p:nvCxnSpPr>
+        <p:spPr>
+          <a:xfrm>
+            <a:off x="2520332" y="2336605"/>
+            <a:ext cx="2155676" cy="0"/>
+          </a:xfrm>
+          <a:prstGeom prst="straightConnector1">
+            <a:avLst/>
+          </a:prstGeom>
+          <a:ln>
+            <a:tailEnd type="triangle"/>
+          </a:ln>
+        </p:spPr>
+        <p:style>
+          <a:lnRef idx="1">
+            <a:schemeClr val="accent1"/>
+          </a:lnRef>
+          <a:fillRef idx="0">
+            <a:schemeClr val="accent1"/>
+          </a:fillRef>
+          <a:effectRef idx="0">
+            <a:schemeClr val="accent1"/>
+          </a:effectRef>
+          <a:fontRef idx="minor">
+            <a:schemeClr val="tx1"/>
+          </a:fontRef>
+        </p:style>
+      </p:cxnSp>
+      <p:sp>
+        <p:nvSpPr>
+          <p:cNvPr id="25" name="文本框 24">
+            <a:extLst>
+              <a:ext uri="{FF2B5EF4-FFF2-40B4-BE49-F238E27FC236}">
+                <a16:creationId xmlns:a16="http://schemas.microsoft.com/office/drawing/2014/main" id="{1F264BC5-9553-C54F-BCA5-B5B7F11817F0}"/>
+              </a:ext>
+            </a:extLst>
+          </p:cNvPr>
+          <p:cNvSpPr txBox="1"/>
+          <p:nvPr/>
+        </p:nvSpPr>
+        <p:spPr>
+          <a:xfrm>
+            <a:off x="6386567" y="1711524"/>
+            <a:ext cx="1882247" cy="369332"/>
+          </a:xfrm>
+          <a:prstGeom prst="rect">
+            <a:avLst/>
+          </a:prstGeom>
+          <a:noFill/>
+        </p:spPr>
+        <p:txBody>
+          <a:bodyPr wrap="none" rtlCol="0">
+            <a:spAutoFit/>
+          </a:bodyPr>
+          <a:lstStyle/>
+          <a:p>
+            <a:r>
+              <a:rPr lang="ja-JP" altLang="en-US"/>
+              <a:t>データを</a:t>
+            </a:r>
+            <a:r>
+              <a:rPr lang="zh-CN" altLang="en-US" dirty="0"/>
+              <a:t>操作</a:t>
+            </a:r>
+            <a:r>
+              <a:rPr lang="ja-JP" altLang="en-US"/>
+              <a:t>する</a:t>
+            </a:r>
+            <a:endParaRPr kumimoji="1" lang="zh-CN" altLang="en-US" dirty="0"/>
+          </a:p>
+        </p:txBody>
+      </p:sp>
+      <p:cxnSp>
+        <p:nvCxnSpPr>
+          <p:cNvPr id="26" name="直线箭头连接符 25">
+            <a:extLst>
+              <a:ext uri="{FF2B5EF4-FFF2-40B4-BE49-F238E27FC236}">
+                <a16:creationId xmlns:a16="http://schemas.microsoft.com/office/drawing/2014/main" id="{84CBBBBF-674C-AA4B-BAF2-35613CACF7BF}"/>
+              </a:ext>
+            </a:extLst>
+          </p:cNvPr>
+          <p:cNvCxnSpPr>
+            <a:cxnSpLocks/>
+            <a:stCxn id="10" idx="2"/>
+            <a:endCxn id="11" idx="3"/>
+          </p:cNvCxnSpPr>
+          <p:nvPr/>
+        </p:nvCxnSpPr>
+        <p:spPr>
+          <a:xfrm flipH="1">
+            <a:off x="4433023" y="2839525"/>
+            <a:ext cx="1034401" cy="2127358"/>
+          </a:xfrm>
+          <a:prstGeom prst="straightConnector1">
+            <a:avLst/>
+          </a:prstGeom>
+          <a:ln>
+            <a:tailEnd type="triangle"/>
+          </a:ln>
+        </p:spPr>
+        <p:style>
+          <a:lnRef idx="1">
+            <a:schemeClr val="accent1"/>
+          </a:lnRef>
+          <a:fillRef idx="0">
+            <a:schemeClr val="accent1"/>
+          </a:fillRef>
+          <a:effectRef idx="0">
+            <a:schemeClr val="accent1"/>
+          </a:effectRef>
+          <a:fontRef idx="minor">
+            <a:schemeClr val="tx1"/>
+          </a:fontRef>
+        </p:style>
+      </p:cxnSp>
+      <p:cxnSp>
+        <p:nvCxnSpPr>
+          <p:cNvPr id="34" name="直线箭头连接符 33">
+            <a:extLst>
+              <a:ext uri="{FF2B5EF4-FFF2-40B4-BE49-F238E27FC236}">
+                <a16:creationId xmlns:a16="http://schemas.microsoft.com/office/drawing/2014/main" id="{D33F54B3-BDD0-9748-B25C-2F33ECA68726}"/>
+              </a:ext>
+            </a:extLst>
+          </p:cNvPr>
+          <p:cNvCxnSpPr>
+            <a:cxnSpLocks/>
+            <a:stCxn id="11" idx="1"/>
+            <a:endCxn id="9" idx="2"/>
+          </p:cNvCxnSpPr>
+          <p:nvPr/>
+        </p:nvCxnSpPr>
+        <p:spPr>
+          <a:xfrm flipH="1" flipV="1">
+            <a:off x="1848248" y="2839525"/>
+            <a:ext cx="1001944" cy="2127358"/>
+          </a:xfrm>
+          <a:prstGeom prst="straightConnector1">
+            <a:avLst/>
+          </a:prstGeom>
+          <a:ln>
+            <a:tailEnd type="triangle"/>
+          </a:ln>
+        </p:spPr>
+        <p:style>
+          <a:lnRef idx="1">
+            <a:schemeClr val="accent1"/>
+          </a:lnRef>
+          <a:fillRef idx="0">
+            <a:schemeClr val="accent1"/>
+          </a:fillRef>
+          <a:effectRef idx="0">
+            <a:schemeClr val="accent1"/>
+          </a:effectRef>
+          <a:fontRef idx="minor">
+            <a:schemeClr val="tx1"/>
+          </a:fontRef>
+        </p:style>
+      </p:cxnSp>
+      <p:sp>
+        <p:nvSpPr>
+          <p:cNvPr id="37" name="文本框 36">
+            <a:extLst>
+              <a:ext uri="{FF2B5EF4-FFF2-40B4-BE49-F238E27FC236}">
+                <a16:creationId xmlns:a16="http://schemas.microsoft.com/office/drawing/2014/main" id="{5E63E65D-A3CF-DC4F-A172-81BAB58E895C}"/>
+              </a:ext>
+            </a:extLst>
+          </p:cNvPr>
+          <p:cNvSpPr txBox="1"/>
+          <p:nvPr/>
+        </p:nvSpPr>
+        <p:spPr>
+          <a:xfrm>
+            <a:off x="1176164" y="649793"/>
+            <a:ext cx="5375959" cy="584775"/>
+          </a:xfrm>
+          <a:prstGeom prst="rect">
+            <a:avLst/>
+          </a:prstGeom>
+          <a:noFill/>
+        </p:spPr>
+        <p:txBody>
+          <a:bodyPr wrap="none" rtlCol="0">
+            <a:spAutoFit/>
+          </a:bodyPr>
+          <a:lstStyle/>
+          <a:p>
+            <a:r>
+              <a:rPr lang="en" altLang="zh-CN" sz="3200" b="1" dirty="0"/>
+              <a:t>Web</a:t>
+            </a:r>
+            <a:r>
+              <a:rPr lang="ja-JP" altLang="en-US" sz="3200" b="1"/>
+              <a:t>アプリケーションの</a:t>
+            </a:r>
+            <a:r>
+              <a:rPr lang="zh-CN" altLang="en-US" sz="3200" b="1" dirty="0"/>
+              <a:t>仕組</a:t>
+            </a:r>
+            <a:r>
+              <a:rPr lang="ja-JP" altLang="en-US" sz="3200" b="1"/>
+              <a:t>み</a:t>
+            </a:r>
+          </a:p>
+        </p:txBody>
+      </p:sp>
+    </p:spTree>
+    <p:extLst>
+      <p:ext uri="{BB962C8B-B14F-4D97-AF65-F5344CB8AC3E}">
+        <p14:creationId xmlns:p14="http://schemas.microsoft.com/office/powerpoint/2010/main" val="2237553239"/>
+      </p:ext>
+    </p:extLst>
+  </p:cSld>
+  <p:clrMapOvr>
+    <a:masterClrMapping/>
+  </p:clrMapOvr>
+</p:sld>
+</file>
+
+<file path=ppt/slides/slide7.xml><?xml version="1.0" encoding="utf-8"?>
+<p:sld xmlns:a="http://schemas.openxmlformats.org/drawingml/2006/main" xmlns:r="http://schemas.openxmlformats.org/officeDocument/2006/relationships" xmlns:p="http://schemas.openxmlformats.org/presentationml/2006/main">
+  <p:cSld>
+    <p:spTree>
+      <p:nvGrpSpPr>
+        <p:cNvPr id="1" name=""/>
+        <p:cNvGrpSpPr/>
+        <p:nvPr/>
+      </p:nvGrpSpPr>
+      <p:grpSpPr>
+        <a:xfrm>
+          <a:off x="0" y="0"/>
+          <a:ext cx="0" cy="0"/>
+          <a:chOff x="0" y="0"/>
+          <a:chExt cx="0" cy="0"/>
+        </a:xfrm>
+      </p:grpSpPr>
+      <p:sp>
+        <p:nvSpPr>
+          <p:cNvPr id="2" name="标题 1">
+            <a:extLst>
+              <a:ext uri="{FF2B5EF4-FFF2-40B4-BE49-F238E27FC236}">
+                <a16:creationId xmlns:a16="http://schemas.microsoft.com/office/drawing/2014/main" id="{A958E31E-5CF2-6B48-B0CE-BEC71D9086FF}"/>
+              </a:ext>
+            </a:extLst>
+          </p:cNvPr>
+          <p:cNvSpPr>
+            <a:spLocks noGrp="1"/>
+          </p:cNvSpPr>
+          <p:nvPr>
+            <p:ph type="title"/>
+          </p:nvPr>
+        </p:nvSpPr>
+        <p:spPr>
+          <a:xfrm>
+            <a:off x="913775" y="618518"/>
+            <a:ext cx="3783485" cy="834502"/>
+          </a:xfrm>
+        </p:spPr>
+        <p:txBody>
+          <a:bodyPr/>
+          <a:lstStyle/>
+          <a:p>
+            <a:r>
+              <a:rPr kumimoji="1" lang="zh-CN" altLang="en-US" dirty="0"/>
+              <a:t>データの現状</a:t>
+            </a:r>
+          </a:p>
+        </p:txBody>
+      </p:sp>
+      <p:pic>
+        <p:nvPicPr>
+          <p:cNvPr id="5" name="内容占位符 4" descr="文本&#10;&#10;描述已自动生成">
+            <a:extLst>
+              <a:ext uri="{FF2B5EF4-FFF2-40B4-BE49-F238E27FC236}">
+                <a16:creationId xmlns:a16="http://schemas.microsoft.com/office/drawing/2014/main" id="{F8C0CEC9-73F5-9343-89C7-79EAE3EB4020}"/>
+              </a:ext>
+            </a:extLst>
+          </p:cNvPr>
+          <p:cNvPicPr>
+            <a:picLocks noGrp="1" noChangeAspect="1"/>
+          </p:cNvPicPr>
+          <p:nvPr>
+            <p:ph sz="quarter" idx="13"/>
+          </p:nvPr>
+        </p:nvPicPr>
+        <p:blipFill>
+          <a:blip r:embed="rId2"/>
+          <a:stretch>
+            <a:fillRect/>
+          </a:stretch>
+        </p:blipFill>
+        <p:spPr>
+          <a:xfrm>
+            <a:off x="7654394" y="1453020"/>
+            <a:ext cx="4320488" cy="5107795"/>
+          </a:xfrm>
+        </p:spPr>
+      </p:pic>
+      <p:pic>
+        <p:nvPicPr>
+          <p:cNvPr id="7" name="图片 6" descr="文本&#10;&#10;描述已自动生成">
+            <a:extLst>
+              <a:ext uri="{FF2B5EF4-FFF2-40B4-BE49-F238E27FC236}">
+                <a16:creationId xmlns:a16="http://schemas.microsoft.com/office/drawing/2014/main" id="{0B310C8F-AEC7-7E46-8AF4-4FDE5EDC0552}"/>
+              </a:ext>
+            </a:extLst>
+          </p:cNvPr>
+          <p:cNvPicPr>
+            <a:picLocks noChangeAspect="1"/>
+          </p:cNvPicPr>
+          <p:nvPr/>
+        </p:nvPicPr>
+        <p:blipFill>
+          <a:blip r:embed="rId3"/>
+          <a:stretch>
+            <a:fillRect/>
+          </a:stretch>
+        </p:blipFill>
+        <p:spPr>
+          <a:xfrm>
+            <a:off x="436795" y="1453020"/>
+            <a:ext cx="6740619" cy="5107795"/>
+          </a:xfrm>
+          <a:prstGeom prst="rect">
+            <a:avLst/>
+          </a:prstGeom>
+        </p:spPr>
+      </p:pic>
+    </p:spTree>
+    <p:extLst>
+      <p:ext uri="{BB962C8B-B14F-4D97-AF65-F5344CB8AC3E}">
+        <p14:creationId xmlns:p14="http://schemas.microsoft.com/office/powerpoint/2010/main" val="2323407987"/>
+      </p:ext>
+    </p:extLst>
+  </p:cSld>
+  <p:clrMapOvr>
+    <a:masterClrMapping/>
+  </p:clrMapOvr>
+</p:sld>
+</file>
+
+<file path=ppt/slides/slide8.xml><?xml version="1.0" encoding="utf-8"?>
+<p:sld xmlns:a="http://schemas.openxmlformats.org/drawingml/2006/main" xmlns:r="http://schemas.openxmlformats.org/officeDocument/2006/relationships" xmlns:p="http://schemas.openxmlformats.org/presentationml/2006/main">
+  <p:cSld>
+    <p:spTree>
+      <p:nvGrpSpPr>
+        <p:cNvPr id="1" name=""/>
+        <p:cNvGrpSpPr/>
+        <p:nvPr/>
+      </p:nvGrpSpPr>
+      <p:grpSpPr>
+        <a:xfrm>
+          <a:off x="0" y="0"/>
+          <a:ext cx="0" cy="0"/>
+          <a:chOff x="0" y="0"/>
+          <a:chExt cx="0" cy="0"/>
+        </a:xfrm>
+      </p:grpSpPr>
       <p:sp>
         <p:nvSpPr>
           <p:cNvPr id="2" name="标题 1">
@@ -8549,7 +9776,7 @@
 </p:sld>
 </file>
 
-<file path=ppt/slides/slide6.xml><?xml version="1.0" encoding="utf-8"?>
+<file path=ppt/slides/slide9.xml><?xml version="1.0" encoding="utf-8"?>
 <p:sld xmlns:a="http://schemas.openxmlformats.org/drawingml/2006/main" xmlns:r="http://schemas.openxmlformats.org/officeDocument/2006/relationships" xmlns:p="http://schemas.openxmlformats.org/presentationml/2006/main">
   <p:cSld>
     <p:spTree>
@@ -9587,394 +10814,6 @@
     <p:extLst>
       <p:ext uri="{BB962C8B-B14F-4D97-AF65-F5344CB8AC3E}">
         <p14:creationId xmlns:p14="http://schemas.microsoft.com/office/powerpoint/2010/main" val="185840761"/>
-      </p:ext>
-    </p:extLst>
-  </p:cSld>
-  <p:clrMapOvr>
-    <a:masterClrMapping/>
-  </p:clrMapOvr>
-</p:sld>
-</file>
-
-<file path=ppt/slides/slide7.xml><?xml version="1.0" encoding="utf-8"?>
-<p:sld xmlns:a="http://schemas.openxmlformats.org/drawingml/2006/main" xmlns:r="http://schemas.openxmlformats.org/officeDocument/2006/relationships" xmlns:p="http://schemas.openxmlformats.org/presentationml/2006/main">
-  <p:cSld>
-    <p:spTree>
-      <p:nvGrpSpPr>
-        <p:cNvPr id="1" name=""/>
-        <p:cNvGrpSpPr/>
-        <p:nvPr/>
-      </p:nvGrpSpPr>
-      <p:grpSpPr>
-        <a:xfrm>
-          <a:off x="0" y="0"/>
-          <a:ext cx="0" cy="0"/>
-          <a:chOff x="0" y="0"/>
-          <a:chExt cx="0" cy="0"/>
-        </a:xfrm>
-      </p:grpSpPr>
-      <p:pic>
-        <p:nvPicPr>
-          <p:cNvPr id="5" name="内容占位符 4" descr="图形用户界面, 文本, 应用程序, 电子邮件&#10;&#10;描述已自动生成">
-            <a:extLst>
-              <a:ext uri="{FF2B5EF4-FFF2-40B4-BE49-F238E27FC236}">
-                <a16:creationId xmlns:a16="http://schemas.microsoft.com/office/drawing/2014/main" id="{E17074D3-84F1-A94B-8A01-E7F3C6417C47}"/>
-              </a:ext>
-            </a:extLst>
-          </p:cNvPr>
-          <p:cNvPicPr>
-            <a:picLocks noGrp="1" noChangeAspect="1"/>
-          </p:cNvPicPr>
-          <p:nvPr>
-            <p:ph sz="quarter" idx="13"/>
-          </p:nvPr>
-        </p:nvPicPr>
-        <p:blipFill>
-          <a:blip r:embed="rId2"/>
-          <a:stretch>
-            <a:fillRect/>
-          </a:stretch>
-        </p:blipFill>
-        <p:spPr>
-          <a:xfrm>
-            <a:off x="1232857" y="794544"/>
-            <a:ext cx="6828706" cy="5268912"/>
-          </a:xfrm>
-        </p:spPr>
-      </p:pic>
-      <p:sp>
-        <p:nvSpPr>
-          <p:cNvPr id="6" name="文本框 5">
-            <a:extLst>
-              <a:ext uri="{FF2B5EF4-FFF2-40B4-BE49-F238E27FC236}">
-                <a16:creationId xmlns:a16="http://schemas.microsoft.com/office/drawing/2014/main" id="{767311D4-3702-A040-9971-EE3BA8D5F14C}"/>
-              </a:ext>
-            </a:extLst>
-          </p:cNvPr>
-          <p:cNvSpPr txBox="1"/>
-          <p:nvPr/>
-        </p:nvSpPr>
-        <p:spPr>
-          <a:xfrm>
-            <a:off x="8324602" y="2505670"/>
-            <a:ext cx="3416320" cy="923330"/>
-          </a:xfrm>
-          <a:prstGeom prst="rect">
-            <a:avLst/>
-          </a:prstGeom>
-          <a:noFill/>
-        </p:spPr>
-        <p:txBody>
-          <a:bodyPr wrap="none" rtlCol="0">
-            <a:spAutoFit/>
-          </a:bodyPr>
-          <a:lstStyle/>
-          <a:p>
-            <a:r>
-              <a:rPr kumimoji="1" lang="zh-CN" altLang="en-US" dirty="0"/>
-              <a:t>将这些个文件中的</a:t>
-            </a:r>
-            <a:r>
-              <a:rPr kumimoji="1" lang="en-US" altLang="zh-CN" dirty="0"/>
-              <a:t>.html</a:t>
-            </a:r>
-            <a:r>
-              <a:rPr kumimoji="1" lang="zh-CN" altLang="en-US" dirty="0"/>
-              <a:t>代码进行</a:t>
-            </a:r>
-            <a:endParaRPr kumimoji="1" lang="en-US" altLang="zh-CN" dirty="0"/>
-          </a:p>
-          <a:p>
-            <a:r>
-              <a:rPr kumimoji="1" lang="zh-CN" altLang="en-US" dirty="0"/>
-              <a:t>相应的搭配，以及大小的修改就</a:t>
-            </a:r>
-            <a:endParaRPr kumimoji="1" lang="en-US" altLang="zh-CN" dirty="0"/>
-          </a:p>
-          <a:p>
-            <a:r>
-              <a:rPr kumimoji="1" lang="zh-CN" altLang="en-US" dirty="0"/>
-              <a:t>可以呈现出各种页面效果</a:t>
-            </a:r>
-            <a:endParaRPr kumimoji="1" lang="en-US" altLang="zh-CN" dirty="0"/>
-          </a:p>
-        </p:txBody>
-      </p:sp>
-    </p:spTree>
-    <p:extLst>
-      <p:ext uri="{BB962C8B-B14F-4D97-AF65-F5344CB8AC3E}">
-        <p14:creationId xmlns:p14="http://schemas.microsoft.com/office/powerpoint/2010/main" val="1378506242"/>
-      </p:ext>
-    </p:extLst>
-  </p:cSld>
-  <p:clrMapOvr>
-    <a:masterClrMapping/>
-  </p:clrMapOvr>
-</p:sld>
-</file>
-
-<file path=ppt/slides/slide8.xml><?xml version="1.0" encoding="utf-8"?>
-<p:sld xmlns:a="http://schemas.openxmlformats.org/drawingml/2006/main" xmlns:r="http://schemas.openxmlformats.org/officeDocument/2006/relationships" xmlns:p="http://schemas.openxmlformats.org/presentationml/2006/main">
-  <p:cSld>
-    <p:spTree>
-      <p:nvGrpSpPr>
-        <p:cNvPr id="1" name=""/>
-        <p:cNvGrpSpPr/>
-        <p:nvPr/>
-      </p:nvGrpSpPr>
-      <p:grpSpPr>
-        <a:xfrm>
-          <a:off x="0" y="0"/>
-          <a:ext cx="0" cy="0"/>
-          <a:chOff x="0" y="0"/>
-          <a:chExt cx="0" cy="0"/>
-        </a:xfrm>
-      </p:grpSpPr>
-      <p:sp>
-        <p:nvSpPr>
-          <p:cNvPr id="2" name="标题 1">
-            <a:extLst>
-              <a:ext uri="{FF2B5EF4-FFF2-40B4-BE49-F238E27FC236}">
-                <a16:creationId xmlns:a16="http://schemas.microsoft.com/office/drawing/2014/main" id="{7B7D86A1-00E1-FB40-878C-8501689AB492}"/>
-              </a:ext>
-            </a:extLst>
-          </p:cNvPr>
-          <p:cNvSpPr>
-            <a:spLocks noGrp="1"/>
-          </p:cNvSpPr>
-          <p:nvPr>
-            <p:ph type="title"/>
-          </p:nvPr>
-        </p:nvSpPr>
-        <p:spPr/>
-        <p:txBody>
-          <a:bodyPr/>
-          <a:lstStyle/>
-          <a:p>
-            <a:r>
-              <a:rPr kumimoji="1" lang="zh-CN" altLang="en-US" dirty="0"/>
-              <a:t>フロントエンド完成時間</a:t>
-            </a:r>
-          </a:p>
-        </p:txBody>
-      </p:sp>
-      <p:sp>
-        <p:nvSpPr>
-          <p:cNvPr id="3" name="内容占位符 2">
-            <a:extLst>
-              <a:ext uri="{FF2B5EF4-FFF2-40B4-BE49-F238E27FC236}">
-                <a16:creationId xmlns:a16="http://schemas.microsoft.com/office/drawing/2014/main" id="{304FA50C-C38F-CC4F-A9C0-4A4B236B7EF8}"/>
-              </a:ext>
-            </a:extLst>
-          </p:cNvPr>
-          <p:cNvSpPr>
-            <a:spLocks noGrp="1"/>
-          </p:cNvSpPr>
-          <p:nvPr>
-            <p:ph sz="quarter" idx="13"/>
-          </p:nvPr>
-        </p:nvSpPr>
-        <p:spPr/>
-        <p:txBody>
-          <a:bodyPr/>
-          <a:lstStyle/>
-          <a:p>
-            <a:r>
-              <a:rPr kumimoji="1" lang="zh-CN" altLang="en-US" dirty="0"/>
-              <a:t>今の考えは</a:t>
-            </a:r>
-            <a:r>
-              <a:rPr kumimoji="1" lang="en-US" altLang="zh-CN" dirty="0"/>
-              <a:t>1</a:t>
-            </a:r>
-            <a:r>
-              <a:rPr kumimoji="1" lang="zh-CN" altLang="en-US" dirty="0"/>
-              <a:t>月、また</a:t>
-            </a:r>
-            <a:r>
-              <a:rPr kumimoji="1" lang="en-US" altLang="zh-CN" dirty="0"/>
-              <a:t>1</a:t>
-            </a:r>
-            <a:r>
-              <a:rPr kumimoji="1" lang="zh-CN" altLang="en-US" dirty="0"/>
-              <a:t>ヶ月半ぐらい。</a:t>
-            </a:r>
-            <a:endParaRPr kumimoji="1" lang="en-US" altLang="zh-CN" dirty="0"/>
-          </a:p>
-          <a:p>
-            <a:r>
-              <a:rPr kumimoji="1" lang="zh-CN" altLang="en-US" dirty="0"/>
-              <a:t>ページ数（メインページ、后台バックグラウンド管理画面、登録画面、ショッピングカート界面、ペット紹介画面</a:t>
-            </a:r>
-            <a:r>
-              <a:rPr kumimoji="1" lang="en-US" altLang="zh-CN" dirty="0"/>
-              <a:t>……</a:t>
-            </a:r>
-            <a:r>
-              <a:rPr kumimoji="1" lang="zh-CN" altLang="en-US" dirty="0"/>
-              <a:t>）</a:t>
-            </a:r>
-            <a:endParaRPr kumimoji="1" lang="en-US" altLang="zh-CN" dirty="0"/>
-          </a:p>
-          <a:p>
-            <a:r>
-              <a:rPr kumimoji="1" lang="zh-CN" altLang="en-US" dirty="0"/>
-              <a:t>各ページの機能を各自で考えてください</a:t>
-            </a:r>
-            <a:endParaRPr kumimoji="1" lang="en-US" altLang="zh-CN" dirty="0"/>
-          </a:p>
-          <a:p>
-            <a:r>
-              <a:rPr kumimoji="1" lang="zh-CN" altLang="en-US" dirty="0"/>
-              <a:t>データベースの方は考えなくで良い</a:t>
-            </a:r>
-            <a:endParaRPr kumimoji="1" lang="en-US" altLang="zh-CN" dirty="0"/>
-          </a:p>
-          <a:p>
-            <a:r>
-              <a:rPr kumimoji="1" lang="zh-CN" altLang="en-US" dirty="0"/>
-              <a:t>可愛いペットの写真を探して下さい（自分が撮影してもいいしネットで調べてもいい）</a:t>
-            </a:r>
-            <a:endParaRPr kumimoji="1" lang="en-US" altLang="zh-CN" dirty="0"/>
-          </a:p>
-          <a:p>
-            <a:r>
-              <a:rPr kumimoji="1" lang="zh-CN" altLang="en-US" dirty="0"/>
-              <a:t>ピクセルが高いほど良い</a:t>
-            </a:r>
-            <a:endParaRPr kumimoji="1" lang="en-US" altLang="zh-CN" dirty="0"/>
-          </a:p>
-          <a:p>
-            <a:endParaRPr kumimoji="1" lang="zh-CN" altLang="en-US" dirty="0"/>
-          </a:p>
-        </p:txBody>
-      </p:sp>
-    </p:spTree>
-    <p:extLst>
-      <p:ext uri="{BB962C8B-B14F-4D97-AF65-F5344CB8AC3E}">
-        <p14:creationId xmlns:p14="http://schemas.microsoft.com/office/powerpoint/2010/main" val="3787355774"/>
-      </p:ext>
-    </p:extLst>
-  </p:cSld>
-  <p:clrMapOvr>
-    <a:masterClrMapping/>
-  </p:clrMapOvr>
-</p:sld>
-</file>
-
-<file path=ppt/slides/slide9.xml><?xml version="1.0" encoding="utf-8"?>
-<p:sld xmlns:a="http://schemas.openxmlformats.org/drawingml/2006/main" xmlns:r="http://schemas.openxmlformats.org/officeDocument/2006/relationships" xmlns:p="http://schemas.openxmlformats.org/presentationml/2006/main">
-  <p:cSld>
-    <p:spTree>
-      <p:nvGrpSpPr>
-        <p:cNvPr id="1" name=""/>
-        <p:cNvGrpSpPr/>
-        <p:nvPr/>
-      </p:nvGrpSpPr>
-      <p:grpSpPr>
-        <a:xfrm>
-          <a:off x="0" y="0"/>
-          <a:ext cx="0" cy="0"/>
-          <a:chOff x="0" y="0"/>
-          <a:chExt cx="0" cy="0"/>
-        </a:xfrm>
-      </p:grpSpPr>
-      <p:sp>
-        <p:nvSpPr>
-          <p:cNvPr id="2" name="标题 1">
-            <a:extLst>
-              <a:ext uri="{FF2B5EF4-FFF2-40B4-BE49-F238E27FC236}">
-                <a16:creationId xmlns:a16="http://schemas.microsoft.com/office/drawing/2014/main" id="{B945D2DC-26CF-D94A-82D1-B34852E85958}"/>
-              </a:ext>
-            </a:extLst>
-          </p:cNvPr>
-          <p:cNvSpPr>
-            <a:spLocks noGrp="1"/>
-          </p:cNvSpPr>
-          <p:nvPr>
-            <p:ph type="title"/>
-          </p:nvPr>
-        </p:nvSpPr>
-        <p:spPr>
-          <a:xfrm>
-            <a:off x="913774" y="0"/>
-            <a:ext cx="10364451" cy="1596177"/>
-          </a:xfrm>
-        </p:spPr>
-        <p:txBody>
-          <a:bodyPr/>
-          <a:lstStyle/>
-          <a:p>
-            <a:r>
-              <a:rPr kumimoji="1" lang="zh-CN" altLang="en-US" dirty="0"/>
-              <a:t>データベース構造と命名規範</a:t>
-            </a:r>
-          </a:p>
-        </p:txBody>
-      </p:sp>
-      <p:pic>
-        <p:nvPicPr>
-          <p:cNvPr id="5" name="内容占位符 4" descr="图示&#10;&#10;描述已自动生成">
-            <a:extLst>
-              <a:ext uri="{FF2B5EF4-FFF2-40B4-BE49-F238E27FC236}">
-                <a16:creationId xmlns:a16="http://schemas.microsoft.com/office/drawing/2014/main" id="{7C574262-743F-F54A-9C82-48001AA098F5}"/>
-              </a:ext>
-            </a:extLst>
-          </p:cNvPr>
-          <p:cNvPicPr>
-            <a:picLocks noGrp="1" noChangeAspect="1"/>
-          </p:cNvPicPr>
-          <p:nvPr>
-            <p:ph sz="quarter" idx="13"/>
-          </p:nvPr>
-        </p:nvPicPr>
-        <p:blipFill>
-          <a:blip r:embed="rId2"/>
-          <a:stretch>
-            <a:fillRect/>
-          </a:stretch>
-        </p:blipFill>
-        <p:spPr>
-          <a:xfrm>
-            <a:off x="5568461" y="976451"/>
-            <a:ext cx="6623538" cy="5990036"/>
-          </a:xfrm>
-        </p:spPr>
-      </p:pic>
-      <p:pic>
-        <p:nvPicPr>
-          <p:cNvPr id="7" name="图片 6" descr="图形用户界面, 应用程序&#10;&#10;描述已自动生成">
-            <a:extLst>
-              <a:ext uri="{FF2B5EF4-FFF2-40B4-BE49-F238E27FC236}">
-                <a16:creationId xmlns:a16="http://schemas.microsoft.com/office/drawing/2014/main" id="{7A43AAC8-4723-1D4C-A871-8AADEE1FAD16}"/>
-              </a:ext>
-            </a:extLst>
-          </p:cNvPr>
-          <p:cNvPicPr>
-            <a:picLocks noChangeAspect="1"/>
-          </p:cNvPicPr>
-          <p:nvPr/>
-        </p:nvPicPr>
-        <p:blipFill>
-          <a:blip r:embed="rId3"/>
-          <a:stretch>
-            <a:fillRect/>
-          </a:stretch>
-        </p:blipFill>
-        <p:spPr>
-          <a:xfrm>
-            <a:off x="225035" y="1084939"/>
-            <a:ext cx="5543451" cy="5773061"/>
-          </a:xfrm>
-          <a:prstGeom prst="rect">
-            <a:avLst/>
-          </a:prstGeom>
-        </p:spPr>
-      </p:pic>
-    </p:spTree>
-    <p:extLst>
-      <p:ext uri="{BB962C8B-B14F-4D97-AF65-F5344CB8AC3E}">
-        <p14:creationId xmlns:p14="http://schemas.microsoft.com/office/powerpoint/2010/main" val="1234317705"/>
       </p:ext>
     </p:extLst>
   </p:cSld>
